--- a/doc/Rapport/Présentation.pptx
+++ b/doc/Rapport/Présentation.pptx
@@ -5,10 +5,10 @@
     <p:sldMasterId id="2147483696" r:id="rId1"/>
   </p:sldMasterIdLst>
   <p:notesMasterIdLst>
-    <p:notesMasterId r:id="rId7"/>
+    <p:notesMasterId r:id="rId14"/>
   </p:notesMasterIdLst>
   <p:handoutMasterIdLst>
-    <p:handoutMasterId r:id="rId8"/>
+    <p:handoutMasterId r:id="rId15"/>
   </p:handoutMasterIdLst>
   <p:sldIdLst>
     <p:sldId id="256" r:id="rId2"/>
@@ -16,6 +16,13 @@
     <p:sldId id="258" r:id="rId4"/>
     <p:sldId id="259" r:id="rId5"/>
     <p:sldId id="260" r:id="rId6"/>
+    <p:sldId id="261" r:id="rId7"/>
+    <p:sldId id="262" r:id="rId8"/>
+    <p:sldId id="263" r:id="rId9"/>
+    <p:sldId id="264" r:id="rId10"/>
+    <p:sldId id="265" r:id="rId11"/>
+    <p:sldId id="266" r:id="rId12"/>
+    <p:sldId id="267" r:id="rId13"/>
   </p:sldIdLst>
   <p:sldSz cx="9144000" cy="6858000" type="screen4x3"/>
   <p:notesSz cx="6858000" cy="9144000"/>
@@ -803,6 +810,159 @@
 </p:notes>
 </file>
 
+<file path=ppt/notesSlides/notesSlide10.xml><?xml version="1.0" encoding="utf-8"?>
+<p:notes xmlns:a="http://schemas.openxmlformats.org/drawingml/2006/main" xmlns:r="http://schemas.openxmlformats.org/officeDocument/2006/relationships" xmlns:p="http://schemas.openxmlformats.org/presentationml/2006/main">
+  <p:cSld>
+    <p:spTree>
+      <p:nvGrpSpPr>
+        <p:cNvPr id="1" name=""/>
+        <p:cNvGrpSpPr/>
+        <p:nvPr/>
+      </p:nvGrpSpPr>
+      <p:grpSpPr>
+        <a:xfrm>
+          <a:off x="0" y="0"/>
+          <a:ext cx="0" cy="0"/>
+          <a:chOff x="0" y="0"/>
+          <a:chExt cx="0" cy="0"/>
+        </a:xfrm>
+      </p:grpSpPr>
+      <p:sp>
+        <p:nvSpPr>
+          <p:cNvPr id="2" name="Slide Image Placeholder 1"/>
+          <p:cNvSpPr>
+            <a:spLocks noGrp="1" noRot="1" noChangeAspect="1"/>
+          </p:cNvSpPr>
+          <p:nvPr>
+            <p:ph type="sldImg"/>
+          </p:nvPr>
+        </p:nvSpPr>
+        <p:spPr/>
+      </p:sp>
+      <p:sp>
+        <p:nvSpPr>
+          <p:cNvPr id="3" name="Notes Placeholder 2"/>
+          <p:cNvSpPr>
+            <a:spLocks noGrp="1"/>
+          </p:cNvSpPr>
+          <p:nvPr>
+            <p:ph type="body" idx="1"/>
+          </p:nvPr>
+        </p:nvSpPr>
+        <p:spPr/>
+        <p:txBody>
+          <a:bodyPr/>
+          <a:lstStyle/>
+          <a:p>
+            <a:endParaRPr lang="fr-FR" dirty="0"/>
+          </a:p>
+        </p:txBody>
+      </p:sp>
+      <p:sp>
+        <p:nvSpPr>
+          <p:cNvPr id="4" name="Slide Number Placeholder 3"/>
+          <p:cNvSpPr>
+            <a:spLocks noGrp="1"/>
+          </p:cNvSpPr>
+          <p:nvPr>
+            <p:ph type="sldNum" sz="quarter" idx="10"/>
+          </p:nvPr>
+        </p:nvSpPr>
+        <p:spPr/>
+        <p:txBody>
+          <a:bodyPr/>
+          <a:lstStyle/>
+          <a:p>
+            <a:fld id="{073D8618-259F-4DE8-841C-400C26D530B0}" type="slidenum">
+              <a:rPr lang="fr-FR" smtClean="0"/>
+              <a:t>11</a:t>
+            </a:fld>
+            <a:endParaRPr lang="fr-FR"/>
+          </a:p>
+        </p:txBody>
+      </p:sp>
+      <p:sp>
+        <p:nvSpPr>
+          <p:cNvPr id="5" name="Footer Placeholder 4"/>
+          <p:cNvSpPr>
+            <a:spLocks noGrp="1"/>
+          </p:cNvSpPr>
+          <p:nvPr>
+            <p:ph type="ftr" sz="quarter" idx="11"/>
+          </p:nvPr>
+        </p:nvSpPr>
+        <p:spPr/>
+        <p:txBody>
+          <a:bodyPr/>
+          <a:lstStyle/>
+          <a:p>
+            <a:r>
+              <a:rPr lang="fr-FR" smtClean="0"/>
+              <a:t>Rémi DUCCESCHI Thomas NOGUER</a:t>
+            </a:r>
+            <a:endParaRPr lang="fr-FR"/>
+          </a:p>
+        </p:txBody>
+      </p:sp>
+      <p:sp>
+        <p:nvSpPr>
+          <p:cNvPr id="6" name="Header Placeholder 5"/>
+          <p:cNvSpPr>
+            <a:spLocks noGrp="1"/>
+          </p:cNvSpPr>
+          <p:nvPr>
+            <p:ph type="hdr" sz="quarter" idx="12"/>
+          </p:nvPr>
+        </p:nvSpPr>
+        <p:spPr/>
+        <p:txBody>
+          <a:bodyPr/>
+          <a:lstStyle/>
+          <a:p>
+            <a:r>
+              <a:rPr lang="fr-FR" smtClean="0"/>
+              <a:t>Démonstrateur de L-Systèmes</a:t>
+            </a:r>
+            <a:endParaRPr lang="fr-FR"/>
+          </a:p>
+        </p:txBody>
+      </p:sp>
+      <p:sp>
+        <p:nvSpPr>
+          <p:cNvPr id="7" name="Date Placeholder 6"/>
+          <p:cNvSpPr>
+            <a:spLocks noGrp="1"/>
+          </p:cNvSpPr>
+          <p:nvPr>
+            <p:ph type="dt" idx="13"/>
+          </p:nvPr>
+        </p:nvSpPr>
+        <p:spPr/>
+        <p:txBody>
+          <a:bodyPr/>
+          <a:lstStyle/>
+          <a:p>
+            <a:r>
+              <a:rPr lang="fr-FR" smtClean="0"/>
+              <a:t>27/04/2013</a:t>
+            </a:r>
+            <a:endParaRPr lang="fr-FR"/>
+          </a:p>
+        </p:txBody>
+      </p:sp>
+    </p:spTree>
+    <p:extLst>
+      <p:ext uri="{BB962C8B-B14F-4D97-AF65-F5344CB8AC3E}">
+        <p14:creationId xmlns:p14="http://schemas.microsoft.com/office/powerpoint/2010/main" val="3543395637"/>
+      </p:ext>
+    </p:extLst>
+  </p:cSld>
+  <p:clrMapOvr>
+    <a:masterClrMapping/>
+  </p:clrMapOvr>
+</p:notes>
+</file>
+
 <file path=ppt/notesSlides/notesSlide2.xml><?xml version="1.0" encoding="utf-8"?>
 <p:notes xmlns:a="http://schemas.openxmlformats.org/drawingml/2006/main" xmlns:r="http://schemas.openxmlformats.org/officeDocument/2006/relationships" xmlns:p="http://schemas.openxmlformats.org/presentationml/2006/main">
   <p:cSld>
@@ -1175,6 +1335,771 @@
             <a:fld id="{073D8618-259F-4DE8-841C-400C26D530B0}" type="slidenum">
               <a:rPr lang="fr-FR" smtClean="0"/>
               <a:t>5</a:t>
+            </a:fld>
+            <a:endParaRPr lang="fr-FR"/>
+          </a:p>
+        </p:txBody>
+      </p:sp>
+      <p:sp>
+        <p:nvSpPr>
+          <p:cNvPr id="5" name="Footer Placeholder 4"/>
+          <p:cNvSpPr>
+            <a:spLocks noGrp="1"/>
+          </p:cNvSpPr>
+          <p:nvPr>
+            <p:ph type="ftr" sz="quarter" idx="11"/>
+          </p:nvPr>
+        </p:nvSpPr>
+        <p:spPr/>
+        <p:txBody>
+          <a:bodyPr/>
+          <a:lstStyle/>
+          <a:p>
+            <a:r>
+              <a:rPr lang="fr-FR" smtClean="0"/>
+              <a:t>Rémi DUCCESCHI Thomas NOGUER</a:t>
+            </a:r>
+            <a:endParaRPr lang="fr-FR"/>
+          </a:p>
+        </p:txBody>
+      </p:sp>
+      <p:sp>
+        <p:nvSpPr>
+          <p:cNvPr id="6" name="Header Placeholder 5"/>
+          <p:cNvSpPr>
+            <a:spLocks noGrp="1"/>
+          </p:cNvSpPr>
+          <p:nvPr>
+            <p:ph type="hdr" sz="quarter" idx="12"/>
+          </p:nvPr>
+        </p:nvSpPr>
+        <p:spPr/>
+        <p:txBody>
+          <a:bodyPr/>
+          <a:lstStyle/>
+          <a:p>
+            <a:r>
+              <a:rPr lang="fr-FR" smtClean="0"/>
+              <a:t>Démonstrateur de L-Systèmes</a:t>
+            </a:r>
+            <a:endParaRPr lang="fr-FR"/>
+          </a:p>
+        </p:txBody>
+      </p:sp>
+      <p:sp>
+        <p:nvSpPr>
+          <p:cNvPr id="7" name="Date Placeholder 6"/>
+          <p:cNvSpPr>
+            <a:spLocks noGrp="1"/>
+          </p:cNvSpPr>
+          <p:nvPr>
+            <p:ph type="dt" idx="13"/>
+          </p:nvPr>
+        </p:nvSpPr>
+        <p:spPr/>
+        <p:txBody>
+          <a:bodyPr/>
+          <a:lstStyle/>
+          <a:p>
+            <a:r>
+              <a:rPr lang="fr-FR" smtClean="0"/>
+              <a:t>27/04/2013</a:t>
+            </a:r>
+            <a:endParaRPr lang="fr-FR"/>
+          </a:p>
+        </p:txBody>
+      </p:sp>
+    </p:spTree>
+    <p:extLst>
+      <p:ext uri="{BB962C8B-B14F-4D97-AF65-F5344CB8AC3E}">
+        <p14:creationId xmlns:p14="http://schemas.microsoft.com/office/powerpoint/2010/main" val="3543395637"/>
+      </p:ext>
+    </p:extLst>
+  </p:cSld>
+  <p:clrMapOvr>
+    <a:masterClrMapping/>
+  </p:clrMapOvr>
+</p:notes>
+</file>
+
+<file path=ppt/notesSlides/notesSlide5.xml><?xml version="1.0" encoding="utf-8"?>
+<p:notes xmlns:a="http://schemas.openxmlformats.org/drawingml/2006/main" xmlns:r="http://schemas.openxmlformats.org/officeDocument/2006/relationships" xmlns:p="http://schemas.openxmlformats.org/presentationml/2006/main">
+  <p:cSld>
+    <p:spTree>
+      <p:nvGrpSpPr>
+        <p:cNvPr id="1" name=""/>
+        <p:cNvGrpSpPr/>
+        <p:nvPr/>
+      </p:nvGrpSpPr>
+      <p:grpSpPr>
+        <a:xfrm>
+          <a:off x="0" y="0"/>
+          <a:ext cx="0" cy="0"/>
+          <a:chOff x="0" y="0"/>
+          <a:chExt cx="0" cy="0"/>
+        </a:xfrm>
+      </p:grpSpPr>
+      <p:sp>
+        <p:nvSpPr>
+          <p:cNvPr id="2" name="Slide Image Placeholder 1"/>
+          <p:cNvSpPr>
+            <a:spLocks noGrp="1" noRot="1" noChangeAspect="1"/>
+          </p:cNvSpPr>
+          <p:nvPr>
+            <p:ph type="sldImg"/>
+          </p:nvPr>
+        </p:nvSpPr>
+        <p:spPr/>
+      </p:sp>
+      <p:sp>
+        <p:nvSpPr>
+          <p:cNvPr id="3" name="Notes Placeholder 2"/>
+          <p:cNvSpPr>
+            <a:spLocks noGrp="1"/>
+          </p:cNvSpPr>
+          <p:nvPr>
+            <p:ph type="body" idx="1"/>
+          </p:nvPr>
+        </p:nvSpPr>
+        <p:spPr/>
+        <p:txBody>
+          <a:bodyPr/>
+          <a:lstStyle/>
+          <a:p>
+            <a:endParaRPr lang="fr-FR" dirty="0"/>
+          </a:p>
+        </p:txBody>
+      </p:sp>
+      <p:sp>
+        <p:nvSpPr>
+          <p:cNvPr id="4" name="Slide Number Placeholder 3"/>
+          <p:cNvSpPr>
+            <a:spLocks noGrp="1"/>
+          </p:cNvSpPr>
+          <p:nvPr>
+            <p:ph type="sldNum" sz="quarter" idx="10"/>
+          </p:nvPr>
+        </p:nvSpPr>
+        <p:spPr/>
+        <p:txBody>
+          <a:bodyPr/>
+          <a:lstStyle/>
+          <a:p>
+            <a:fld id="{073D8618-259F-4DE8-841C-400C26D530B0}" type="slidenum">
+              <a:rPr lang="fr-FR" smtClean="0"/>
+              <a:t>6</a:t>
+            </a:fld>
+            <a:endParaRPr lang="fr-FR"/>
+          </a:p>
+        </p:txBody>
+      </p:sp>
+      <p:sp>
+        <p:nvSpPr>
+          <p:cNvPr id="5" name="Footer Placeholder 4"/>
+          <p:cNvSpPr>
+            <a:spLocks noGrp="1"/>
+          </p:cNvSpPr>
+          <p:nvPr>
+            <p:ph type="ftr" sz="quarter" idx="11"/>
+          </p:nvPr>
+        </p:nvSpPr>
+        <p:spPr/>
+        <p:txBody>
+          <a:bodyPr/>
+          <a:lstStyle/>
+          <a:p>
+            <a:r>
+              <a:rPr lang="fr-FR" smtClean="0"/>
+              <a:t>Rémi DUCCESCHI Thomas NOGUER</a:t>
+            </a:r>
+            <a:endParaRPr lang="fr-FR"/>
+          </a:p>
+        </p:txBody>
+      </p:sp>
+      <p:sp>
+        <p:nvSpPr>
+          <p:cNvPr id="6" name="Header Placeholder 5"/>
+          <p:cNvSpPr>
+            <a:spLocks noGrp="1"/>
+          </p:cNvSpPr>
+          <p:nvPr>
+            <p:ph type="hdr" sz="quarter" idx="12"/>
+          </p:nvPr>
+        </p:nvSpPr>
+        <p:spPr/>
+        <p:txBody>
+          <a:bodyPr/>
+          <a:lstStyle/>
+          <a:p>
+            <a:r>
+              <a:rPr lang="fr-FR" smtClean="0"/>
+              <a:t>Démonstrateur de L-Systèmes</a:t>
+            </a:r>
+            <a:endParaRPr lang="fr-FR"/>
+          </a:p>
+        </p:txBody>
+      </p:sp>
+      <p:sp>
+        <p:nvSpPr>
+          <p:cNvPr id="7" name="Date Placeholder 6"/>
+          <p:cNvSpPr>
+            <a:spLocks noGrp="1"/>
+          </p:cNvSpPr>
+          <p:nvPr>
+            <p:ph type="dt" idx="13"/>
+          </p:nvPr>
+        </p:nvSpPr>
+        <p:spPr/>
+        <p:txBody>
+          <a:bodyPr/>
+          <a:lstStyle/>
+          <a:p>
+            <a:r>
+              <a:rPr lang="fr-FR" smtClean="0"/>
+              <a:t>27/04/2013</a:t>
+            </a:r>
+            <a:endParaRPr lang="fr-FR"/>
+          </a:p>
+        </p:txBody>
+      </p:sp>
+    </p:spTree>
+    <p:extLst>
+      <p:ext uri="{BB962C8B-B14F-4D97-AF65-F5344CB8AC3E}">
+        <p14:creationId xmlns:p14="http://schemas.microsoft.com/office/powerpoint/2010/main" val="3543395637"/>
+      </p:ext>
+    </p:extLst>
+  </p:cSld>
+  <p:clrMapOvr>
+    <a:masterClrMapping/>
+  </p:clrMapOvr>
+</p:notes>
+</file>
+
+<file path=ppt/notesSlides/notesSlide6.xml><?xml version="1.0" encoding="utf-8"?>
+<p:notes xmlns:a="http://schemas.openxmlformats.org/drawingml/2006/main" xmlns:r="http://schemas.openxmlformats.org/officeDocument/2006/relationships" xmlns:p="http://schemas.openxmlformats.org/presentationml/2006/main">
+  <p:cSld>
+    <p:spTree>
+      <p:nvGrpSpPr>
+        <p:cNvPr id="1" name=""/>
+        <p:cNvGrpSpPr/>
+        <p:nvPr/>
+      </p:nvGrpSpPr>
+      <p:grpSpPr>
+        <a:xfrm>
+          <a:off x="0" y="0"/>
+          <a:ext cx="0" cy="0"/>
+          <a:chOff x="0" y="0"/>
+          <a:chExt cx="0" cy="0"/>
+        </a:xfrm>
+      </p:grpSpPr>
+      <p:sp>
+        <p:nvSpPr>
+          <p:cNvPr id="2" name="Slide Image Placeholder 1"/>
+          <p:cNvSpPr>
+            <a:spLocks noGrp="1" noRot="1" noChangeAspect="1"/>
+          </p:cNvSpPr>
+          <p:nvPr>
+            <p:ph type="sldImg"/>
+          </p:nvPr>
+        </p:nvSpPr>
+        <p:spPr/>
+      </p:sp>
+      <p:sp>
+        <p:nvSpPr>
+          <p:cNvPr id="3" name="Notes Placeholder 2"/>
+          <p:cNvSpPr>
+            <a:spLocks noGrp="1"/>
+          </p:cNvSpPr>
+          <p:nvPr>
+            <p:ph type="body" idx="1"/>
+          </p:nvPr>
+        </p:nvSpPr>
+        <p:spPr/>
+        <p:txBody>
+          <a:bodyPr/>
+          <a:lstStyle/>
+          <a:p>
+            <a:endParaRPr lang="fr-FR" dirty="0"/>
+          </a:p>
+        </p:txBody>
+      </p:sp>
+      <p:sp>
+        <p:nvSpPr>
+          <p:cNvPr id="4" name="Slide Number Placeholder 3"/>
+          <p:cNvSpPr>
+            <a:spLocks noGrp="1"/>
+          </p:cNvSpPr>
+          <p:nvPr>
+            <p:ph type="sldNum" sz="quarter" idx="10"/>
+          </p:nvPr>
+        </p:nvSpPr>
+        <p:spPr/>
+        <p:txBody>
+          <a:bodyPr/>
+          <a:lstStyle/>
+          <a:p>
+            <a:fld id="{073D8618-259F-4DE8-841C-400C26D530B0}" type="slidenum">
+              <a:rPr lang="fr-FR" smtClean="0"/>
+              <a:t>7</a:t>
+            </a:fld>
+            <a:endParaRPr lang="fr-FR"/>
+          </a:p>
+        </p:txBody>
+      </p:sp>
+      <p:sp>
+        <p:nvSpPr>
+          <p:cNvPr id="5" name="Footer Placeholder 4"/>
+          <p:cNvSpPr>
+            <a:spLocks noGrp="1"/>
+          </p:cNvSpPr>
+          <p:nvPr>
+            <p:ph type="ftr" sz="quarter" idx="11"/>
+          </p:nvPr>
+        </p:nvSpPr>
+        <p:spPr/>
+        <p:txBody>
+          <a:bodyPr/>
+          <a:lstStyle/>
+          <a:p>
+            <a:r>
+              <a:rPr lang="fr-FR" smtClean="0"/>
+              <a:t>Rémi DUCCESCHI Thomas NOGUER</a:t>
+            </a:r>
+            <a:endParaRPr lang="fr-FR"/>
+          </a:p>
+        </p:txBody>
+      </p:sp>
+      <p:sp>
+        <p:nvSpPr>
+          <p:cNvPr id="6" name="Header Placeholder 5"/>
+          <p:cNvSpPr>
+            <a:spLocks noGrp="1"/>
+          </p:cNvSpPr>
+          <p:nvPr>
+            <p:ph type="hdr" sz="quarter" idx="12"/>
+          </p:nvPr>
+        </p:nvSpPr>
+        <p:spPr/>
+        <p:txBody>
+          <a:bodyPr/>
+          <a:lstStyle/>
+          <a:p>
+            <a:r>
+              <a:rPr lang="fr-FR" smtClean="0"/>
+              <a:t>Démonstrateur de L-Systèmes</a:t>
+            </a:r>
+            <a:endParaRPr lang="fr-FR"/>
+          </a:p>
+        </p:txBody>
+      </p:sp>
+      <p:sp>
+        <p:nvSpPr>
+          <p:cNvPr id="7" name="Date Placeholder 6"/>
+          <p:cNvSpPr>
+            <a:spLocks noGrp="1"/>
+          </p:cNvSpPr>
+          <p:nvPr>
+            <p:ph type="dt" idx="13"/>
+          </p:nvPr>
+        </p:nvSpPr>
+        <p:spPr/>
+        <p:txBody>
+          <a:bodyPr/>
+          <a:lstStyle/>
+          <a:p>
+            <a:r>
+              <a:rPr lang="fr-FR" smtClean="0"/>
+              <a:t>27/04/2013</a:t>
+            </a:r>
+            <a:endParaRPr lang="fr-FR"/>
+          </a:p>
+        </p:txBody>
+      </p:sp>
+    </p:spTree>
+    <p:extLst>
+      <p:ext uri="{BB962C8B-B14F-4D97-AF65-F5344CB8AC3E}">
+        <p14:creationId xmlns:p14="http://schemas.microsoft.com/office/powerpoint/2010/main" val="3543395637"/>
+      </p:ext>
+    </p:extLst>
+  </p:cSld>
+  <p:clrMapOvr>
+    <a:masterClrMapping/>
+  </p:clrMapOvr>
+</p:notes>
+</file>
+
+<file path=ppt/notesSlides/notesSlide7.xml><?xml version="1.0" encoding="utf-8"?>
+<p:notes xmlns:a="http://schemas.openxmlformats.org/drawingml/2006/main" xmlns:r="http://schemas.openxmlformats.org/officeDocument/2006/relationships" xmlns:p="http://schemas.openxmlformats.org/presentationml/2006/main">
+  <p:cSld>
+    <p:spTree>
+      <p:nvGrpSpPr>
+        <p:cNvPr id="1" name=""/>
+        <p:cNvGrpSpPr/>
+        <p:nvPr/>
+      </p:nvGrpSpPr>
+      <p:grpSpPr>
+        <a:xfrm>
+          <a:off x="0" y="0"/>
+          <a:ext cx="0" cy="0"/>
+          <a:chOff x="0" y="0"/>
+          <a:chExt cx="0" cy="0"/>
+        </a:xfrm>
+      </p:grpSpPr>
+      <p:sp>
+        <p:nvSpPr>
+          <p:cNvPr id="2" name="Slide Image Placeholder 1"/>
+          <p:cNvSpPr>
+            <a:spLocks noGrp="1" noRot="1" noChangeAspect="1"/>
+          </p:cNvSpPr>
+          <p:nvPr>
+            <p:ph type="sldImg"/>
+          </p:nvPr>
+        </p:nvSpPr>
+        <p:spPr/>
+      </p:sp>
+      <p:sp>
+        <p:nvSpPr>
+          <p:cNvPr id="3" name="Notes Placeholder 2"/>
+          <p:cNvSpPr>
+            <a:spLocks noGrp="1"/>
+          </p:cNvSpPr>
+          <p:nvPr>
+            <p:ph type="body" idx="1"/>
+          </p:nvPr>
+        </p:nvSpPr>
+        <p:spPr/>
+        <p:txBody>
+          <a:bodyPr/>
+          <a:lstStyle/>
+          <a:p>
+            <a:endParaRPr lang="fr-FR" dirty="0"/>
+          </a:p>
+        </p:txBody>
+      </p:sp>
+      <p:sp>
+        <p:nvSpPr>
+          <p:cNvPr id="4" name="Slide Number Placeholder 3"/>
+          <p:cNvSpPr>
+            <a:spLocks noGrp="1"/>
+          </p:cNvSpPr>
+          <p:nvPr>
+            <p:ph type="sldNum" sz="quarter" idx="10"/>
+          </p:nvPr>
+        </p:nvSpPr>
+        <p:spPr/>
+        <p:txBody>
+          <a:bodyPr/>
+          <a:lstStyle/>
+          <a:p>
+            <a:fld id="{073D8618-259F-4DE8-841C-400C26D530B0}" type="slidenum">
+              <a:rPr lang="fr-FR" smtClean="0"/>
+              <a:t>8</a:t>
+            </a:fld>
+            <a:endParaRPr lang="fr-FR"/>
+          </a:p>
+        </p:txBody>
+      </p:sp>
+      <p:sp>
+        <p:nvSpPr>
+          <p:cNvPr id="5" name="Footer Placeholder 4"/>
+          <p:cNvSpPr>
+            <a:spLocks noGrp="1"/>
+          </p:cNvSpPr>
+          <p:nvPr>
+            <p:ph type="ftr" sz="quarter" idx="11"/>
+          </p:nvPr>
+        </p:nvSpPr>
+        <p:spPr/>
+        <p:txBody>
+          <a:bodyPr/>
+          <a:lstStyle/>
+          <a:p>
+            <a:r>
+              <a:rPr lang="fr-FR" smtClean="0"/>
+              <a:t>Rémi DUCCESCHI Thomas NOGUER</a:t>
+            </a:r>
+            <a:endParaRPr lang="fr-FR"/>
+          </a:p>
+        </p:txBody>
+      </p:sp>
+      <p:sp>
+        <p:nvSpPr>
+          <p:cNvPr id="6" name="Header Placeholder 5"/>
+          <p:cNvSpPr>
+            <a:spLocks noGrp="1"/>
+          </p:cNvSpPr>
+          <p:nvPr>
+            <p:ph type="hdr" sz="quarter" idx="12"/>
+          </p:nvPr>
+        </p:nvSpPr>
+        <p:spPr/>
+        <p:txBody>
+          <a:bodyPr/>
+          <a:lstStyle/>
+          <a:p>
+            <a:r>
+              <a:rPr lang="fr-FR" smtClean="0"/>
+              <a:t>Démonstrateur de L-Systèmes</a:t>
+            </a:r>
+            <a:endParaRPr lang="fr-FR"/>
+          </a:p>
+        </p:txBody>
+      </p:sp>
+      <p:sp>
+        <p:nvSpPr>
+          <p:cNvPr id="7" name="Date Placeholder 6"/>
+          <p:cNvSpPr>
+            <a:spLocks noGrp="1"/>
+          </p:cNvSpPr>
+          <p:nvPr>
+            <p:ph type="dt" idx="13"/>
+          </p:nvPr>
+        </p:nvSpPr>
+        <p:spPr/>
+        <p:txBody>
+          <a:bodyPr/>
+          <a:lstStyle/>
+          <a:p>
+            <a:r>
+              <a:rPr lang="fr-FR" smtClean="0"/>
+              <a:t>27/04/2013</a:t>
+            </a:r>
+            <a:endParaRPr lang="fr-FR"/>
+          </a:p>
+        </p:txBody>
+      </p:sp>
+    </p:spTree>
+    <p:extLst>
+      <p:ext uri="{BB962C8B-B14F-4D97-AF65-F5344CB8AC3E}">
+        <p14:creationId xmlns:p14="http://schemas.microsoft.com/office/powerpoint/2010/main" val="3543395637"/>
+      </p:ext>
+    </p:extLst>
+  </p:cSld>
+  <p:clrMapOvr>
+    <a:masterClrMapping/>
+  </p:clrMapOvr>
+</p:notes>
+</file>
+
+<file path=ppt/notesSlides/notesSlide8.xml><?xml version="1.0" encoding="utf-8"?>
+<p:notes xmlns:a="http://schemas.openxmlformats.org/drawingml/2006/main" xmlns:r="http://schemas.openxmlformats.org/officeDocument/2006/relationships" xmlns:p="http://schemas.openxmlformats.org/presentationml/2006/main">
+  <p:cSld>
+    <p:spTree>
+      <p:nvGrpSpPr>
+        <p:cNvPr id="1" name=""/>
+        <p:cNvGrpSpPr/>
+        <p:nvPr/>
+      </p:nvGrpSpPr>
+      <p:grpSpPr>
+        <a:xfrm>
+          <a:off x="0" y="0"/>
+          <a:ext cx="0" cy="0"/>
+          <a:chOff x="0" y="0"/>
+          <a:chExt cx="0" cy="0"/>
+        </a:xfrm>
+      </p:grpSpPr>
+      <p:sp>
+        <p:nvSpPr>
+          <p:cNvPr id="2" name="Slide Image Placeholder 1"/>
+          <p:cNvSpPr>
+            <a:spLocks noGrp="1" noRot="1" noChangeAspect="1"/>
+          </p:cNvSpPr>
+          <p:nvPr>
+            <p:ph type="sldImg"/>
+          </p:nvPr>
+        </p:nvSpPr>
+        <p:spPr/>
+      </p:sp>
+      <p:sp>
+        <p:nvSpPr>
+          <p:cNvPr id="3" name="Notes Placeholder 2"/>
+          <p:cNvSpPr>
+            <a:spLocks noGrp="1"/>
+          </p:cNvSpPr>
+          <p:nvPr>
+            <p:ph type="body" idx="1"/>
+          </p:nvPr>
+        </p:nvSpPr>
+        <p:spPr/>
+        <p:txBody>
+          <a:bodyPr/>
+          <a:lstStyle/>
+          <a:p>
+            <a:endParaRPr lang="fr-FR" dirty="0"/>
+          </a:p>
+        </p:txBody>
+      </p:sp>
+      <p:sp>
+        <p:nvSpPr>
+          <p:cNvPr id="4" name="Slide Number Placeholder 3"/>
+          <p:cNvSpPr>
+            <a:spLocks noGrp="1"/>
+          </p:cNvSpPr>
+          <p:nvPr>
+            <p:ph type="sldNum" sz="quarter" idx="10"/>
+          </p:nvPr>
+        </p:nvSpPr>
+        <p:spPr/>
+        <p:txBody>
+          <a:bodyPr/>
+          <a:lstStyle/>
+          <a:p>
+            <a:fld id="{073D8618-259F-4DE8-841C-400C26D530B0}" type="slidenum">
+              <a:rPr lang="fr-FR" smtClean="0"/>
+              <a:t>9</a:t>
+            </a:fld>
+            <a:endParaRPr lang="fr-FR"/>
+          </a:p>
+        </p:txBody>
+      </p:sp>
+      <p:sp>
+        <p:nvSpPr>
+          <p:cNvPr id="5" name="Footer Placeholder 4"/>
+          <p:cNvSpPr>
+            <a:spLocks noGrp="1"/>
+          </p:cNvSpPr>
+          <p:nvPr>
+            <p:ph type="ftr" sz="quarter" idx="11"/>
+          </p:nvPr>
+        </p:nvSpPr>
+        <p:spPr/>
+        <p:txBody>
+          <a:bodyPr/>
+          <a:lstStyle/>
+          <a:p>
+            <a:r>
+              <a:rPr lang="fr-FR" smtClean="0"/>
+              <a:t>Rémi DUCCESCHI Thomas NOGUER</a:t>
+            </a:r>
+            <a:endParaRPr lang="fr-FR"/>
+          </a:p>
+        </p:txBody>
+      </p:sp>
+      <p:sp>
+        <p:nvSpPr>
+          <p:cNvPr id="6" name="Header Placeholder 5"/>
+          <p:cNvSpPr>
+            <a:spLocks noGrp="1"/>
+          </p:cNvSpPr>
+          <p:nvPr>
+            <p:ph type="hdr" sz="quarter" idx="12"/>
+          </p:nvPr>
+        </p:nvSpPr>
+        <p:spPr/>
+        <p:txBody>
+          <a:bodyPr/>
+          <a:lstStyle/>
+          <a:p>
+            <a:r>
+              <a:rPr lang="fr-FR" smtClean="0"/>
+              <a:t>Démonstrateur de L-Systèmes</a:t>
+            </a:r>
+            <a:endParaRPr lang="fr-FR"/>
+          </a:p>
+        </p:txBody>
+      </p:sp>
+      <p:sp>
+        <p:nvSpPr>
+          <p:cNvPr id="7" name="Date Placeholder 6"/>
+          <p:cNvSpPr>
+            <a:spLocks noGrp="1"/>
+          </p:cNvSpPr>
+          <p:nvPr>
+            <p:ph type="dt" idx="13"/>
+          </p:nvPr>
+        </p:nvSpPr>
+        <p:spPr/>
+        <p:txBody>
+          <a:bodyPr/>
+          <a:lstStyle/>
+          <a:p>
+            <a:r>
+              <a:rPr lang="fr-FR" smtClean="0"/>
+              <a:t>27/04/2013</a:t>
+            </a:r>
+            <a:endParaRPr lang="fr-FR"/>
+          </a:p>
+        </p:txBody>
+      </p:sp>
+    </p:spTree>
+    <p:extLst>
+      <p:ext uri="{BB962C8B-B14F-4D97-AF65-F5344CB8AC3E}">
+        <p14:creationId xmlns:p14="http://schemas.microsoft.com/office/powerpoint/2010/main" val="3543395637"/>
+      </p:ext>
+    </p:extLst>
+  </p:cSld>
+  <p:clrMapOvr>
+    <a:masterClrMapping/>
+  </p:clrMapOvr>
+</p:notes>
+</file>
+
+<file path=ppt/notesSlides/notesSlide9.xml><?xml version="1.0" encoding="utf-8"?>
+<p:notes xmlns:a="http://schemas.openxmlformats.org/drawingml/2006/main" xmlns:r="http://schemas.openxmlformats.org/officeDocument/2006/relationships" xmlns:p="http://schemas.openxmlformats.org/presentationml/2006/main">
+  <p:cSld>
+    <p:spTree>
+      <p:nvGrpSpPr>
+        <p:cNvPr id="1" name=""/>
+        <p:cNvGrpSpPr/>
+        <p:nvPr/>
+      </p:nvGrpSpPr>
+      <p:grpSpPr>
+        <a:xfrm>
+          <a:off x="0" y="0"/>
+          <a:ext cx="0" cy="0"/>
+          <a:chOff x="0" y="0"/>
+          <a:chExt cx="0" cy="0"/>
+        </a:xfrm>
+      </p:grpSpPr>
+      <p:sp>
+        <p:nvSpPr>
+          <p:cNvPr id="2" name="Slide Image Placeholder 1"/>
+          <p:cNvSpPr>
+            <a:spLocks noGrp="1" noRot="1" noChangeAspect="1"/>
+          </p:cNvSpPr>
+          <p:nvPr>
+            <p:ph type="sldImg"/>
+          </p:nvPr>
+        </p:nvSpPr>
+        <p:spPr/>
+      </p:sp>
+      <p:sp>
+        <p:nvSpPr>
+          <p:cNvPr id="3" name="Notes Placeholder 2"/>
+          <p:cNvSpPr>
+            <a:spLocks noGrp="1"/>
+          </p:cNvSpPr>
+          <p:nvPr>
+            <p:ph type="body" idx="1"/>
+          </p:nvPr>
+        </p:nvSpPr>
+        <p:spPr/>
+        <p:txBody>
+          <a:bodyPr/>
+          <a:lstStyle/>
+          <a:p>
+            <a:endParaRPr lang="fr-FR" dirty="0"/>
+          </a:p>
+        </p:txBody>
+      </p:sp>
+      <p:sp>
+        <p:nvSpPr>
+          <p:cNvPr id="4" name="Slide Number Placeholder 3"/>
+          <p:cNvSpPr>
+            <a:spLocks noGrp="1"/>
+          </p:cNvSpPr>
+          <p:nvPr>
+            <p:ph type="sldNum" sz="quarter" idx="10"/>
+          </p:nvPr>
+        </p:nvSpPr>
+        <p:spPr/>
+        <p:txBody>
+          <a:bodyPr/>
+          <a:lstStyle/>
+          <a:p>
+            <a:fld id="{073D8618-259F-4DE8-841C-400C26D530B0}" type="slidenum">
+              <a:rPr lang="fr-FR" smtClean="0"/>
+              <a:t>10</a:t>
             </a:fld>
             <a:endParaRPr lang="fr-FR"/>
           </a:p>
@@ -5208,6 +6133,482 @@
 </p:sld>
 </file>
 
+<file path=ppt/slides/slide10.xml><?xml version="1.0" encoding="utf-8"?>
+<p:sld xmlns:a="http://schemas.openxmlformats.org/drawingml/2006/main" xmlns:r="http://schemas.openxmlformats.org/officeDocument/2006/relationships" xmlns:p="http://schemas.openxmlformats.org/presentationml/2006/main">
+  <p:cSld>
+    <p:spTree>
+      <p:nvGrpSpPr>
+        <p:cNvPr id="1" name=""/>
+        <p:cNvGrpSpPr/>
+        <p:nvPr/>
+      </p:nvGrpSpPr>
+      <p:grpSpPr>
+        <a:xfrm>
+          <a:off x="0" y="0"/>
+          <a:ext cx="0" cy="0"/>
+          <a:chOff x="0" y="0"/>
+          <a:chExt cx="0" cy="0"/>
+        </a:xfrm>
+      </p:grpSpPr>
+      <p:sp>
+        <p:nvSpPr>
+          <p:cNvPr id="2" name="Title 1"/>
+          <p:cNvSpPr>
+            <a:spLocks noGrp="1"/>
+          </p:cNvSpPr>
+          <p:nvPr>
+            <p:ph type="title"/>
+          </p:nvPr>
+        </p:nvSpPr>
+        <p:spPr/>
+        <p:txBody>
+          <a:bodyPr>
+            <a:normAutofit fontScale="90000"/>
+          </a:bodyPr>
+          <a:lstStyle/>
+          <a:p>
+            <a:r>
+              <a:rPr lang="fr-FR" dirty="0" smtClean="0"/>
+              <a:t>Moteur 3D</a:t>
+            </a:r>
+            <a:br>
+              <a:rPr lang="fr-FR" dirty="0" smtClean="0"/>
+            </a:br>
+            <a:r>
+              <a:rPr lang="fr-FR" dirty="0" smtClean="0"/>
+              <a:t>Camera</a:t>
+            </a:r>
+            <a:endParaRPr lang="fr-FR" dirty="0"/>
+          </a:p>
+        </p:txBody>
+      </p:sp>
+      <p:sp>
+        <p:nvSpPr>
+          <p:cNvPr id="3" name="Content Placeholder 2"/>
+          <p:cNvSpPr>
+            <a:spLocks noGrp="1"/>
+          </p:cNvSpPr>
+          <p:nvPr>
+            <p:ph sz="quarter" idx="1"/>
+          </p:nvPr>
+        </p:nvSpPr>
+        <p:spPr/>
+        <p:txBody>
+          <a:bodyPr/>
+          <a:lstStyle/>
+          <a:p>
+            <a:endParaRPr lang="fr-FR" dirty="0"/>
+          </a:p>
+        </p:txBody>
+      </p:sp>
+      <p:sp>
+        <p:nvSpPr>
+          <p:cNvPr id="6" name="Slide Number Placeholder 5"/>
+          <p:cNvSpPr>
+            <a:spLocks noGrp="1"/>
+          </p:cNvSpPr>
+          <p:nvPr>
+            <p:ph type="sldNum" sz="quarter" idx="12"/>
+          </p:nvPr>
+        </p:nvSpPr>
+        <p:spPr>
+          <a:xfrm>
+            <a:off x="612648" y="6356350"/>
+            <a:ext cx="377952" cy="365760"/>
+          </a:xfrm>
+        </p:spPr>
+        <p:txBody>
+          <a:bodyPr/>
+          <a:lstStyle/>
+          <a:p>
+            <a:fld id="{B6F15528-21DE-4FAA-801E-634DDDAF4B2B}" type="slidenum">
+              <a:rPr lang="en-US" smtClean="0"/>
+              <a:pPr/>
+              <a:t>10</a:t>
+            </a:fld>
+            <a:endParaRPr lang="en-US"/>
+          </a:p>
+        </p:txBody>
+      </p:sp>
+      <p:sp>
+        <p:nvSpPr>
+          <p:cNvPr id="7" name="TextBox 6"/>
+          <p:cNvSpPr txBox="1"/>
+          <p:nvPr/>
+        </p:nvSpPr>
+        <p:spPr>
+          <a:xfrm>
+            <a:off x="5029200" y="6410419"/>
+            <a:ext cx="3985386" cy="338554"/>
+          </a:xfrm>
+          <a:prstGeom prst="rect">
+            <a:avLst/>
+          </a:prstGeom>
+          <a:noFill/>
+        </p:spPr>
+        <p:txBody>
+          <a:bodyPr wrap="none" rtlCol="0">
+            <a:spAutoFit/>
+          </a:bodyPr>
+          <a:lstStyle/>
+          <a:p>
+            <a:r>
+              <a:rPr lang="fr-FR" sz="1600" dirty="0" smtClean="0">
+                <a:solidFill>
+                  <a:schemeClr val="tx2"/>
+                </a:solidFill>
+                <a:latin typeface="+mj-lt"/>
+              </a:rPr>
+              <a:t>Rémi DUCCESCHI Thomas NOGUER</a:t>
+            </a:r>
+            <a:endParaRPr lang="fr-FR" sz="1600" dirty="0">
+              <a:solidFill>
+                <a:schemeClr val="tx2"/>
+              </a:solidFill>
+              <a:latin typeface="+mj-lt"/>
+            </a:endParaRPr>
+          </a:p>
+        </p:txBody>
+      </p:sp>
+      <p:sp>
+        <p:nvSpPr>
+          <p:cNvPr id="8" name="TextBox 7"/>
+          <p:cNvSpPr txBox="1"/>
+          <p:nvPr/>
+        </p:nvSpPr>
+        <p:spPr>
+          <a:xfrm>
+            <a:off x="1371600" y="6410419"/>
+            <a:ext cx="3227165" cy="338554"/>
+          </a:xfrm>
+          <a:prstGeom prst="rect">
+            <a:avLst/>
+          </a:prstGeom>
+          <a:noFill/>
+        </p:spPr>
+        <p:txBody>
+          <a:bodyPr wrap="none" rtlCol="0">
+            <a:spAutoFit/>
+          </a:bodyPr>
+          <a:lstStyle/>
+          <a:p>
+            <a:r>
+              <a:rPr lang="fr-FR" sz="1600" dirty="0" smtClean="0">
+                <a:solidFill>
+                  <a:schemeClr val="tx2"/>
+                </a:solidFill>
+                <a:latin typeface="+mj-lt"/>
+              </a:rPr>
+              <a:t>Démonstrateur de L-Systèmes</a:t>
+            </a:r>
+            <a:endParaRPr lang="fr-FR" sz="1600" dirty="0">
+              <a:solidFill>
+                <a:schemeClr val="tx2"/>
+              </a:solidFill>
+              <a:latin typeface="+mj-lt"/>
+            </a:endParaRPr>
+          </a:p>
+        </p:txBody>
+      </p:sp>
+    </p:spTree>
+    <p:extLst>
+      <p:ext uri="{BB962C8B-B14F-4D97-AF65-F5344CB8AC3E}">
+        <p14:creationId xmlns:p14="http://schemas.microsoft.com/office/powerpoint/2010/main" val="2668117575"/>
+      </p:ext>
+    </p:extLst>
+  </p:cSld>
+  <p:clrMapOvr>
+    <a:masterClrMapping/>
+  </p:clrMapOvr>
+</p:sld>
+</file>
+
+<file path=ppt/slides/slide11.xml><?xml version="1.0" encoding="utf-8"?>
+<p:sld xmlns:a="http://schemas.openxmlformats.org/drawingml/2006/main" xmlns:r="http://schemas.openxmlformats.org/officeDocument/2006/relationships" xmlns:p="http://schemas.openxmlformats.org/presentationml/2006/main">
+  <p:cSld>
+    <p:spTree>
+      <p:nvGrpSpPr>
+        <p:cNvPr id="1" name=""/>
+        <p:cNvGrpSpPr/>
+        <p:nvPr/>
+      </p:nvGrpSpPr>
+      <p:grpSpPr>
+        <a:xfrm>
+          <a:off x="0" y="0"/>
+          <a:ext cx="0" cy="0"/>
+          <a:chOff x="0" y="0"/>
+          <a:chExt cx="0" cy="0"/>
+        </a:xfrm>
+      </p:grpSpPr>
+      <p:sp>
+        <p:nvSpPr>
+          <p:cNvPr id="2" name="Title 1"/>
+          <p:cNvSpPr>
+            <a:spLocks noGrp="1"/>
+          </p:cNvSpPr>
+          <p:nvPr>
+            <p:ph type="title"/>
+          </p:nvPr>
+        </p:nvSpPr>
+        <p:spPr/>
+        <p:txBody>
+          <a:bodyPr>
+            <a:normAutofit fontScale="90000"/>
+          </a:bodyPr>
+          <a:lstStyle/>
+          <a:p>
+            <a:r>
+              <a:rPr lang="fr-FR" dirty="0" smtClean="0"/>
+              <a:t>Moteur 3D</a:t>
+            </a:r>
+            <a:br>
+              <a:rPr lang="fr-FR" dirty="0" smtClean="0"/>
+            </a:br>
+            <a:r>
+              <a:rPr lang="fr-FR" dirty="0" smtClean="0"/>
+              <a:t>Lumière</a:t>
+            </a:r>
+            <a:endParaRPr lang="fr-FR" dirty="0"/>
+          </a:p>
+        </p:txBody>
+      </p:sp>
+      <p:sp>
+        <p:nvSpPr>
+          <p:cNvPr id="3" name="Content Placeholder 2"/>
+          <p:cNvSpPr>
+            <a:spLocks noGrp="1"/>
+          </p:cNvSpPr>
+          <p:nvPr>
+            <p:ph sz="quarter" idx="1"/>
+          </p:nvPr>
+        </p:nvSpPr>
+        <p:spPr/>
+        <p:txBody>
+          <a:bodyPr/>
+          <a:lstStyle/>
+          <a:p>
+            <a:endParaRPr lang="fr-FR" dirty="0"/>
+          </a:p>
+        </p:txBody>
+      </p:sp>
+      <p:sp>
+        <p:nvSpPr>
+          <p:cNvPr id="6" name="Slide Number Placeholder 5"/>
+          <p:cNvSpPr>
+            <a:spLocks noGrp="1"/>
+          </p:cNvSpPr>
+          <p:nvPr>
+            <p:ph type="sldNum" sz="quarter" idx="12"/>
+          </p:nvPr>
+        </p:nvSpPr>
+        <p:spPr>
+          <a:xfrm>
+            <a:off x="612648" y="6356350"/>
+            <a:ext cx="377952" cy="365760"/>
+          </a:xfrm>
+        </p:spPr>
+        <p:txBody>
+          <a:bodyPr/>
+          <a:lstStyle/>
+          <a:p>
+            <a:fld id="{B6F15528-21DE-4FAA-801E-634DDDAF4B2B}" type="slidenum">
+              <a:rPr lang="en-US" smtClean="0"/>
+              <a:pPr/>
+              <a:t>11</a:t>
+            </a:fld>
+            <a:endParaRPr lang="en-US"/>
+          </a:p>
+        </p:txBody>
+      </p:sp>
+      <p:sp>
+        <p:nvSpPr>
+          <p:cNvPr id="7" name="TextBox 6"/>
+          <p:cNvSpPr txBox="1"/>
+          <p:nvPr/>
+        </p:nvSpPr>
+        <p:spPr>
+          <a:xfrm>
+            <a:off x="5029200" y="6410419"/>
+            <a:ext cx="3985386" cy="338554"/>
+          </a:xfrm>
+          <a:prstGeom prst="rect">
+            <a:avLst/>
+          </a:prstGeom>
+          <a:noFill/>
+        </p:spPr>
+        <p:txBody>
+          <a:bodyPr wrap="none" rtlCol="0">
+            <a:spAutoFit/>
+          </a:bodyPr>
+          <a:lstStyle/>
+          <a:p>
+            <a:r>
+              <a:rPr lang="fr-FR" sz="1600" dirty="0" smtClean="0">
+                <a:solidFill>
+                  <a:schemeClr val="tx2"/>
+                </a:solidFill>
+                <a:latin typeface="+mj-lt"/>
+              </a:rPr>
+              <a:t>Rémi DUCCESCHI Thomas NOGUER</a:t>
+            </a:r>
+            <a:endParaRPr lang="fr-FR" sz="1600" dirty="0">
+              <a:solidFill>
+                <a:schemeClr val="tx2"/>
+              </a:solidFill>
+              <a:latin typeface="+mj-lt"/>
+            </a:endParaRPr>
+          </a:p>
+        </p:txBody>
+      </p:sp>
+      <p:sp>
+        <p:nvSpPr>
+          <p:cNvPr id="8" name="TextBox 7"/>
+          <p:cNvSpPr txBox="1"/>
+          <p:nvPr/>
+        </p:nvSpPr>
+        <p:spPr>
+          <a:xfrm>
+            <a:off x="1371600" y="6410419"/>
+            <a:ext cx="3227165" cy="338554"/>
+          </a:xfrm>
+          <a:prstGeom prst="rect">
+            <a:avLst/>
+          </a:prstGeom>
+          <a:noFill/>
+        </p:spPr>
+        <p:txBody>
+          <a:bodyPr wrap="none" rtlCol="0">
+            <a:spAutoFit/>
+          </a:bodyPr>
+          <a:lstStyle/>
+          <a:p>
+            <a:r>
+              <a:rPr lang="fr-FR" sz="1600" dirty="0" smtClean="0">
+                <a:solidFill>
+                  <a:schemeClr val="tx2"/>
+                </a:solidFill>
+                <a:latin typeface="+mj-lt"/>
+              </a:rPr>
+              <a:t>Démonstrateur de L-Systèmes</a:t>
+            </a:r>
+            <a:endParaRPr lang="fr-FR" sz="1600" dirty="0">
+              <a:solidFill>
+                <a:schemeClr val="tx2"/>
+              </a:solidFill>
+              <a:latin typeface="+mj-lt"/>
+            </a:endParaRPr>
+          </a:p>
+        </p:txBody>
+      </p:sp>
+    </p:spTree>
+    <p:extLst>
+      <p:ext uri="{BB962C8B-B14F-4D97-AF65-F5344CB8AC3E}">
+        <p14:creationId xmlns:p14="http://schemas.microsoft.com/office/powerpoint/2010/main" val="817978580"/>
+      </p:ext>
+    </p:extLst>
+  </p:cSld>
+  <p:clrMapOvr>
+    <a:masterClrMapping/>
+  </p:clrMapOvr>
+</p:sld>
+</file>
+
+<file path=ppt/slides/slide12.xml><?xml version="1.0" encoding="utf-8"?>
+<p:sld xmlns:a="http://schemas.openxmlformats.org/drawingml/2006/main" xmlns:r="http://schemas.openxmlformats.org/officeDocument/2006/relationships" xmlns:p="http://schemas.openxmlformats.org/presentationml/2006/main">
+  <p:cSld>
+    <p:spTree>
+      <p:nvGrpSpPr>
+        <p:cNvPr id="1" name=""/>
+        <p:cNvGrpSpPr/>
+        <p:nvPr/>
+      </p:nvGrpSpPr>
+      <p:grpSpPr>
+        <a:xfrm>
+          <a:off x="0" y="0"/>
+          <a:ext cx="0" cy="0"/>
+          <a:chOff x="0" y="0"/>
+          <a:chExt cx="0" cy="0"/>
+        </a:xfrm>
+      </p:grpSpPr>
+      <p:sp>
+        <p:nvSpPr>
+          <p:cNvPr id="2" name="Title 1"/>
+          <p:cNvSpPr>
+            <a:spLocks noGrp="1"/>
+          </p:cNvSpPr>
+          <p:nvPr>
+            <p:ph type="title"/>
+          </p:nvPr>
+        </p:nvSpPr>
+        <p:spPr/>
+        <p:txBody>
+          <a:bodyPr/>
+          <a:lstStyle/>
+          <a:p>
+            <a:r>
+              <a:rPr lang="fr-FR" dirty="0" smtClean="0"/>
+              <a:t>Conclusion</a:t>
+            </a:r>
+            <a:endParaRPr lang="fr-FR" dirty="0"/>
+          </a:p>
+        </p:txBody>
+      </p:sp>
+      <p:sp>
+        <p:nvSpPr>
+          <p:cNvPr id="3" name="Slide Number Placeholder 2"/>
+          <p:cNvSpPr>
+            <a:spLocks noGrp="1"/>
+          </p:cNvSpPr>
+          <p:nvPr>
+            <p:ph type="sldNum" sz="quarter" idx="12"/>
+          </p:nvPr>
+        </p:nvSpPr>
+        <p:spPr/>
+        <p:txBody>
+          <a:bodyPr/>
+          <a:lstStyle/>
+          <a:p>
+            <a:fld id="{B6F15528-21DE-4FAA-801E-634DDDAF4B2B}" type="slidenum">
+              <a:rPr lang="en-US" smtClean="0"/>
+              <a:pPr/>
+              <a:t>12</a:t>
+            </a:fld>
+            <a:endParaRPr lang="en-US"/>
+          </a:p>
+        </p:txBody>
+      </p:sp>
+      <p:sp>
+        <p:nvSpPr>
+          <p:cNvPr id="4" name="Content Placeholder 3"/>
+          <p:cNvSpPr>
+            <a:spLocks noGrp="1"/>
+          </p:cNvSpPr>
+          <p:nvPr>
+            <p:ph sz="quarter" idx="1"/>
+          </p:nvPr>
+        </p:nvSpPr>
+        <p:spPr/>
+        <p:txBody>
+          <a:bodyPr/>
+          <a:lstStyle/>
+          <a:p>
+            <a:endParaRPr lang="fr-FR"/>
+          </a:p>
+        </p:txBody>
+      </p:sp>
+    </p:spTree>
+    <p:extLst>
+      <p:ext uri="{BB962C8B-B14F-4D97-AF65-F5344CB8AC3E}">
+        <p14:creationId xmlns:p14="http://schemas.microsoft.com/office/powerpoint/2010/main" val="4013666199"/>
+      </p:ext>
+    </p:extLst>
+  </p:cSld>
+  <p:clrMapOvr>
+    <a:masterClrMapping/>
+  </p:clrMapOvr>
+</p:sld>
+</file>
+
 <file path=ppt/slides/slide2.xml><?xml version="1.0" encoding="utf-8"?>
 <p:sld xmlns:a="http://schemas.openxmlformats.org/drawingml/2006/main" xmlns:r="http://schemas.openxmlformats.org/officeDocument/2006/relationships" xmlns:p="http://schemas.openxmlformats.org/presentationml/2006/main">
   <p:cSld>
@@ -5865,6 +7266,10 @@
           <a:bodyPr/>
           <a:lstStyle/>
           <a:p>
+            <a:r>
+              <a:rPr lang="fr-FR" dirty="0" smtClean="0"/>
+              <a:t>Parseur et générateur</a:t>
+            </a:r>
             <a:endParaRPr lang="fr-FR" dirty="0"/>
           </a:p>
         </p:txBody>
@@ -6001,6 +7406,750 @@
     <p:extLst>
       <p:ext uri="{BB962C8B-B14F-4D97-AF65-F5344CB8AC3E}">
         <p14:creationId xmlns:p14="http://schemas.microsoft.com/office/powerpoint/2010/main" val="739241960"/>
+      </p:ext>
+    </p:extLst>
+  </p:cSld>
+  <p:clrMapOvr>
+    <a:masterClrMapping/>
+  </p:clrMapOvr>
+</p:sld>
+</file>
+
+<file path=ppt/slides/slide6.xml><?xml version="1.0" encoding="utf-8"?>
+<p:sld xmlns:a="http://schemas.openxmlformats.org/drawingml/2006/main" xmlns:r="http://schemas.openxmlformats.org/officeDocument/2006/relationships" xmlns:p="http://schemas.openxmlformats.org/presentationml/2006/main">
+  <p:cSld>
+    <p:spTree>
+      <p:nvGrpSpPr>
+        <p:cNvPr id="1" name=""/>
+        <p:cNvGrpSpPr/>
+        <p:nvPr/>
+      </p:nvGrpSpPr>
+      <p:grpSpPr>
+        <a:xfrm>
+          <a:off x="0" y="0"/>
+          <a:ext cx="0" cy="0"/>
+          <a:chOff x="0" y="0"/>
+          <a:chExt cx="0" cy="0"/>
+        </a:xfrm>
+      </p:grpSpPr>
+      <p:sp>
+        <p:nvSpPr>
+          <p:cNvPr id="2" name="Title 1"/>
+          <p:cNvSpPr>
+            <a:spLocks noGrp="1"/>
+          </p:cNvSpPr>
+          <p:nvPr>
+            <p:ph type="title"/>
+          </p:nvPr>
+        </p:nvSpPr>
+        <p:spPr/>
+        <p:txBody>
+          <a:bodyPr/>
+          <a:lstStyle/>
+          <a:p>
+            <a:r>
+              <a:rPr lang="fr-FR" dirty="0" smtClean="0"/>
+              <a:t>Interprétation de la tortue</a:t>
+            </a:r>
+            <a:endParaRPr lang="fr-FR" dirty="0"/>
+          </a:p>
+        </p:txBody>
+      </p:sp>
+      <p:sp>
+        <p:nvSpPr>
+          <p:cNvPr id="3" name="Content Placeholder 2"/>
+          <p:cNvSpPr>
+            <a:spLocks noGrp="1"/>
+          </p:cNvSpPr>
+          <p:nvPr>
+            <p:ph sz="quarter" idx="1"/>
+          </p:nvPr>
+        </p:nvSpPr>
+        <p:spPr/>
+        <p:txBody>
+          <a:bodyPr/>
+          <a:lstStyle/>
+          <a:p>
+            <a:endParaRPr lang="fr-FR" dirty="0"/>
+          </a:p>
+        </p:txBody>
+      </p:sp>
+      <p:sp>
+        <p:nvSpPr>
+          <p:cNvPr id="6" name="Slide Number Placeholder 5"/>
+          <p:cNvSpPr>
+            <a:spLocks noGrp="1"/>
+          </p:cNvSpPr>
+          <p:nvPr>
+            <p:ph type="sldNum" sz="quarter" idx="12"/>
+          </p:nvPr>
+        </p:nvSpPr>
+        <p:spPr>
+          <a:xfrm>
+            <a:off x="612648" y="6356350"/>
+            <a:ext cx="377952" cy="365760"/>
+          </a:xfrm>
+        </p:spPr>
+        <p:txBody>
+          <a:bodyPr/>
+          <a:lstStyle/>
+          <a:p>
+            <a:fld id="{B6F15528-21DE-4FAA-801E-634DDDAF4B2B}" type="slidenum">
+              <a:rPr lang="en-US" smtClean="0"/>
+              <a:pPr/>
+              <a:t>6</a:t>
+            </a:fld>
+            <a:endParaRPr lang="en-US"/>
+          </a:p>
+        </p:txBody>
+      </p:sp>
+      <p:sp>
+        <p:nvSpPr>
+          <p:cNvPr id="7" name="TextBox 6"/>
+          <p:cNvSpPr txBox="1"/>
+          <p:nvPr/>
+        </p:nvSpPr>
+        <p:spPr>
+          <a:xfrm>
+            <a:off x="5029200" y="6410419"/>
+            <a:ext cx="3985386" cy="338554"/>
+          </a:xfrm>
+          <a:prstGeom prst="rect">
+            <a:avLst/>
+          </a:prstGeom>
+          <a:noFill/>
+        </p:spPr>
+        <p:txBody>
+          <a:bodyPr wrap="none" rtlCol="0">
+            <a:spAutoFit/>
+          </a:bodyPr>
+          <a:lstStyle/>
+          <a:p>
+            <a:r>
+              <a:rPr lang="fr-FR" sz="1600" dirty="0" smtClean="0">
+                <a:solidFill>
+                  <a:schemeClr val="tx2"/>
+                </a:solidFill>
+                <a:latin typeface="+mj-lt"/>
+              </a:rPr>
+              <a:t>Rémi DUCCESCHI Thomas NOGUER</a:t>
+            </a:r>
+            <a:endParaRPr lang="fr-FR" sz="1600" dirty="0">
+              <a:solidFill>
+                <a:schemeClr val="tx2"/>
+              </a:solidFill>
+              <a:latin typeface="+mj-lt"/>
+            </a:endParaRPr>
+          </a:p>
+        </p:txBody>
+      </p:sp>
+      <p:sp>
+        <p:nvSpPr>
+          <p:cNvPr id="8" name="TextBox 7"/>
+          <p:cNvSpPr txBox="1"/>
+          <p:nvPr/>
+        </p:nvSpPr>
+        <p:spPr>
+          <a:xfrm>
+            <a:off x="1371600" y="6410419"/>
+            <a:ext cx="3227165" cy="338554"/>
+          </a:xfrm>
+          <a:prstGeom prst="rect">
+            <a:avLst/>
+          </a:prstGeom>
+          <a:noFill/>
+        </p:spPr>
+        <p:txBody>
+          <a:bodyPr wrap="none" rtlCol="0">
+            <a:spAutoFit/>
+          </a:bodyPr>
+          <a:lstStyle/>
+          <a:p>
+            <a:r>
+              <a:rPr lang="fr-FR" sz="1600" dirty="0" smtClean="0">
+                <a:solidFill>
+                  <a:schemeClr val="tx2"/>
+                </a:solidFill>
+                <a:latin typeface="+mj-lt"/>
+              </a:rPr>
+              <a:t>Démonstrateur de L-Systèmes</a:t>
+            </a:r>
+            <a:endParaRPr lang="fr-FR" sz="1600" dirty="0">
+              <a:solidFill>
+                <a:schemeClr val="tx2"/>
+              </a:solidFill>
+              <a:latin typeface="+mj-lt"/>
+            </a:endParaRPr>
+          </a:p>
+        </p:txBody>
+      </p:sp>
+    </p:spTree>
+    <p:extLst>
+      <p:ext uri="{BB962C8B-B14F-4D97-AF65-F5344CB8AC3E}">
+        <p14:creationId xmlns:p14="http://schemas.microsoft.com/office/powerpoint/2010/main" val="868690778"/>
+      </p:ext>
+    </p:extLst>
+  </p:cSld>
+  <p:clrMapOvr>
+    <a:masterClrMapping/>
+  </p:clrMapOvr>
+</p:sld>
+</file>
+
+<file path=ppt/slides/slide7.xml><?xml version="1.0" encoding="utf-8"?>
+<p:sld xmlns:a="http://schemas.openxmlformats.org/drawingml/2006/main" xmlns:r="http://schemas.openxmlformats.org/officeDocument/2006/relationships" xmlns:p="http://schemas.openxmlformats.org/presentationml/2006/main">
+  <p:cSld>
+    <p:spTree>
+      <p:nvGrpSpPr>
+        <p:cNvPr id="1" name=""/>
+        <p:cNvGrpSpPr/>
+        <p:nvPr/>
+      </p:nvGrpSpPr>
+      <p:grpSpPr>
+        <a:xfrm>
+          <a:off x="0" y="0"/>
+          <a:ext cx="0" cy="0"/>
+          <a:chOff x="0" y="0"/>
+          <a:chExt cx="0" cy="0"/>
+        </a:xfrm>
+      </p:grpSpPr>
+      <p:sp>
+        <p:nvSpPr>
+          <p:cNvPr id="2" name="Title 1"/>
+          <p:cNvSpPr>
+            <a:spLocks noGrp="1"/>
+          </p:cNvSpPr>
+          <p:nvPr>
+            <p:ph type="title"/>
+          </p:nvPr>
+        </p:nvSpPr>
+        <p:spPr/>
+        <p:txBody>
+          <a:bodyPr>
+            <a:normAutofit fontScale="90000"/>
+          </a:bodyPr>
+          <a:lstStyle/>
+          <a:p>
+            <a:r>
+              <a:rPr lang="fr-FR" dirty="0" smtClean="0"/>
+              <a:t>Interprétation de la tortue</a:t>
+            </a:r>
+            <a:br>
+              <a:rPr lang="fr-FR" dirty="0" smtClean="0"/>
+            </a:br>
+            <a:r>
+              <a:rPr lang="fr-FR" dirty="0" smtClean="0"/>
+              <a:t>Tube</a:t>
+            </a:r>
+            <a:endParaRPr lang="fr-FR" dirty="0"/>
+          </a:p>
+        </p:txBody>
+      </p:sp>
+      <p:sp>
+        <p:nvSpPr>
+          <p:cNvPr id="3" name="Content Placeholder 2"/>
+          <p:cNvSpPr>
+            <a:spLocks noGrp="1"/>
+          </p:cNvSpPr>
+          <p:nvPr>
+            <p:ph sz="quarter" idx="1"/>
+          </p:nvPr>
+        </p:nvSpPr>
+        <p:spPr/>
+        <p:txBody>
+          <a:bodyPr/>
+          <a:lstStyle/>
+          <a:p>
+            <a:endParaRPr lang="fr-FR" dirty="0"/>
+          </a:p>
+        </p:txBody>
+      </p:sp>
+      <p:sp>
+        <p:nvSpPr>
+          <p:cNvPr id="6" name="Slide Number Placeholder 5"/>
+          <p:cNvSpPr>
+            <a:spLocks noGrp="1"/>
+          </p:cNvSpPr>
+          <p:nvPr>
+            <p:ph type="sldNum" sz="quarter" idx="12"/>
+          </p:nvPr>
+        </p:nvSpPr>
+        <p:spPr>
+          <a:xfrm>
+            <a:off x="612648" y="6356350"/>
+            <a:ext cx="377952" cy="365760"/>
+          </a:xfrm>
+        </p:spPr>
+        <p:txBody>
+          <a:bodyPr/>
+          <a:lstStyle/>
+          <a:p>
+            <a:fld id="{B6F15528-21DE-4FAA-801E-634DDDAF4B2B}" type="slidenum">
+              <a:rPr lang="en-US" smtClean="0"/>
+              <a:pPr/>
+              <a:t>7</a:t>
+            </a:fld>
+            <a:endParaRPr lang="en-US"/>
+          </a:p>
+        </p:txBody>
+      </p:sp>
+      <p:sp>
+        <p:nvSpPr>
+          <p:cNvPr id="7" name="TextBox 6"/>
+          <p:cNvSpPr txBox="1"/>
+          <p:nvPr/>
+        </p:nvSpPr>
+        <p:spPr>
+          <a:xfrm>
+            <a:off x="5029200" y="6410419"/>
+            <a:ext cx="3985386" cy="338554"/>
+          </a:xfrm>
+          <a:prstGeom prst="rect">
+            <a:avLst/>
+          </a:prstGeom>
+          <a:noFill/>
+        </p:spPr>
+        <p:txBody>
+          <a:bodyPr wrap="none" rtlCol="0">
+            <a:spAutoFit/>
+          </a:bodyPr>
+          <a:lstStyle/>
+          <a:p>
+            <a:r>
+              <a:rPr lang="fr-FR" sz="1600" dirty="0" smtClean="0">
+                <a:solidFill>
+                  <a:schemeClr val="tx2"/>
+                </a:solidFill>
+                <a:latin typeface="+mj-lt"/>
+              </a:rPr>
+              <a:t>Rémi DUCCESCHI Thomas NOGUER</a:t>
+            </a:r>
+            <a:endParaRPr lang="fr-FR" sz="1600" dirty="0">
+              <a:solidFill>
+                <a:schemeClr val="tx2"/>
+              </a:solidFill>
+              <a:latin typeface="+mj-lt"/>
+            </a:endParaRPr>
+          </a:p>
+        </p:txBody>
+      </p:sp>
+      <p:sp>
+        <p:nvSpPr>
+          <p:cNvPr id="8" name="TextBox 7"/>
+          <p:cNvSpPr txBox="1"/>
+          <p:nvPr/>
+        </p:nvSpPr>
+        <p:spPr>
+          <a:xfrm>
+            <a:off x="1371600" y="6410419"/>
+            <a:ext cx="3227165" cy="338554"/>
+          </a:xfrm>
+          <a:prstGeom prst="rect">
+            <a:avLst/>
+          </a:prstGeom>
+          <a:noFill/>
+        </p:spPr>
+        <p:txBody>
+          <a:bodyPr wrap="none" rtlCol="0">
+            <a:spAutoFit/>
+          </a:bodyPr>
+          <a:lstStyle/>
+          <a:p>
+            <a:r>
+              <a:rPr lang="fr-FR" sz="1600" dirty="0" smtClean="0">
+                <a:solidFill>
+                  <a:schemeClr val="tx2"/>
+                </a:solidFill>
+                <a:latin typeface="+mj-lt"/>
+              </a:rPr>
+              <a:t>Démonstrateur de L-Systèmes</a:t>
+            </a:r>
+            <a:endParaRPr lang="fr-FR" sz="1600" dirty="0">
+              <a:solidFill>
+                <a:schemeClr val="tx2"/>
+              </a:solidFill>
+              <a:latin typeface="+mj-lt"/>
+            </a:endParaRPr>
+          </a:p>
+        </p:txBody>
+      </p:sp>
+    </p:spTree>
+    <p:extLst>
+      <p:ext uri="{BB962C8B-B14F-4D97-AF65-F5344CB8AC3E}">
+        <p14:creationId xmlns:p14="http://schemas.microsoft.com/office/powerpoint/2010/main" val="2781538622"/>
+      </p:ext>
+    </p:extLst>
+  </p:cSld>
+  <p:clrMapOvr>
+    <a:masterClrMapping/>
+  </p:clrMapOvr>
+</p:sld>
+</file>
+
+<file path=ppt/slides/slide8.xml><?xml version="1.0" encoding="utf-8"?>
+<p:sld xmlns:a="http://schemas.openxmlformats.org/drawingml/2006/main" xmlns:r="http://schemas.openxmlformats.org/officeDocument/2006/relationships" xmlns:p="http://schemas.openxmlformats.org/presentationml/2006/main">
+  <p:cSld>
+    <p:spTree>
+      <p:nvGrpSpPr>
+        <p:cNvPr id="1" name=""/>
+        <p:cNvGrpSpPr/>
+        <p:nvPr/>
+      </p:nvGrpSpPr>
+      <p:grpSpPr>
+        <a:xfrm>
+          <a:off x="0" y="0"/>
+          <a:ext cx="0" cy="0"/>
+          <a:chOff x="0" y="0"/>
+          <a:chExt cx="0" cy="0"/>
+        </a:xfrm>
+      </p:grpSpPr>
+      <p:sp>
+        <p:nvSpPr>
+          <p:cNvPr id="2" name="Title 1"/>
+          <p:cNvSpPr>
+            <a:spLocks noGrp="1"/>
+          </p:cNvSpPr>
+          <p:nvPr>
+            <p:ph type="title"/>
+          </p:nvPr>
+        </p:nvSpPr>
+        <p:spPr/>
+        <p:txBody>
+          <a:bodyPr>
+            <a:normAutofit fontScale="90000"/>
+          </a:bodyPr>
+          <a:lstStyle/>
+          <a:p>
+            <a:r>
+              <a:rPr lang="fr-FR" dirty="0" smtClean="0"/>
+              <a:t>Interprétation de la tortue</a:t>
+            </a:r>
+            <a:br>
+              <a:rPr lang="fr-FR" dirty="0" smtClean="0"/>
+            </a:br>
+            <a:r>
+              <a:rPr lang="fr-FR" dirty="0" err="1" smtClean="0"/>
+              <a:t>Tree</a:t>
+            </a:r>
+            <a:endParaRPr lang="fr-FR" dirty="0"/>
+          </a:p>
+        </p:txBody>
+      </p:sp>
+      <p:sp>
+        <p:nvSpPr>
+          <p:cNvPr id="3" name="Content Placeholder 2"/>
+          <p:cNvSpPr>
+            <a:spLocks noGrp="1"/>
+          </p:cNvSpPr>
+          <p:nvPr>
+            <p:ph sz="quarter" idx="1"/>
+          </p:nvPr>
+        </p:nvSpPr>
+        <p:spPr/>
+        <p:txBody>
+          <a:bodyPr/>
+          <a:lstStyle/>
+          <a:p>
+            <a:endParaRPr lang="fr-FR" dirty="0"/>
+          </a:p>
+        </p:txBody>
+      </p:sp>
+      <p:sp>
+        <p:nvSpPr>
+          <p:cNvPr id="6" name="Slide Number Placeholder 5"/>
+          <p:cNvSpPr>
+            <a:spLocks noGrp="1"/>
+          </p:cNvSpPr>
+          <p:nvPr>
+            <p:ph type="sldNum" sz="quarter" idx="12"/>
+          </p:nvPr>
+        </p:nvSpPr>
+        <p:spPr>
+          <a:xfrm>
+            <a:off x="612648" y="6356350"/>
+            <a:ext cx="377952" cy="365760"/>
+          </a:xfrm>
+        </p:spPr>
+        <p:txBody>
+          <a:bodyPr/>
+          <a:lstStyle/>
+          <a:p>
+            <a:fld id="{B6F15528-21DE-4FAA-801E-634DDDAF4B2B}" type="slidenum">
+              <a:rPr lang="en-US" smtClean="0"/>
+              <a:pPr/>
+              <a:t>8</a:t>
+            </a:fld>
+            <a:endParaRPr lang="en-US"/>
+          </a:p>
+        </p:txBody>
+      </p:sp>
+      <p:sp>
+        <p:nvSpPr>
+          <p:cNvPr id="7" name="TextBox 6"/>
+          <p:cNvSpPr txBox="1"/>
+          <p:nvPr/>
+        </p:nvSpPr>
+        <p:spPr>
+          <a:xfrm>
+            <a:off x="5029200" y="6410419"/>
+            <a:ext cx="3985386" cy="338554"/>
+          </a:xfrm>
+          <a:prstGeom prst="rect">
+            <a:avLst/>
+          </a:prstGeom>
+          <a:noFill/>
+        </p:spPr>
+        <p:txBody>
+          <a:bodyPr wrap="none" rtlCol="0">
+            <a:spAutoFit/>
+          </a:bodyPr>
+          <a:lstStyle/>
+          <a:p>
+            <a:r>
+              <a:rPr lang="fr-FR" sz="1600" dirty="0" smtClean="0">
+                <a:solidFill>
+                  <a:schemeClr val="tx2"/>
+                </a:solidFill>
+                <a:latin typeface="+mj-lt"/>
+              </a:rPr>
+              <a:t>Rémi DUCCESCHI Thomas NOGUER</a:t>
+            </a:r>
+            <a:endParaRPr lang="fr-FR" sz="1600" dirty="0">
+              <a:solidFill>
+                <a:schemeClr val="tx2"/>
+              </a:solidFill>
+              <a:latin typeface="+mj-lt"/>
+            </a:endParaRPr>
+          </a:p>
+        </p:txBody>
+      </p:sp>
+      <p:sp>
+        <p:nvSpPr>
+          <p:cNvPr id="8" name="TextBox 7"/>
+          <p:cNvSpPr txBox="1"/>
+          <p:nvPr/>
+        </p:nvSpPr>
+        <p:spPr>
+          <a:xfrm>
+            <a:off x="1371600" y="6410419"/>
+            <a:ext cx="3227165" cy="338554"/>
+          </a:xfrm>
+          <a:prstGeom prst="rect">
+            <a:avLst/>
+          </a:prstGeom>
+          <a:noFill/>
+        </p:spPr>
+        <p:txBody>
+          <a:bodyPr wrap="none" rtlCol="0">
+            <a:spAutoFit/>
+          </a:bodyPr>
+          <a:lstStyle/>
+          <a:p>
+            <a:r>
+              <a:rPr lang="fr-FR" sz="1600" dirty="0" smtClean="0">
+                <a:solidFill>
+                  <a:schemeClr val="tx2"/>
+                </a:solidFill>
+                <a:latin typeface="+mj-lt"/>
+              </a:rPr>
+              <a:t>Démonstrateur de L-Systèmes</a:t>
+            </a:r>
+            <a:endParaRPr lang="fr-FR" sz="1600" dirty="0">
+              <a:solidFill>
+                <a:schemeClr val="tx2"/>
+              </a:solidFill>
+              <a:latin typeface="+mj-lt"/>
+            </a:endParaRPr>
+          </a:p>
+        </p:txBody>
+      </p:sp>
+    </p:spTree>
+    <p:extLst>
+      <p:ext uri="{BB962C8B-B14F-4D97-AF65-F5344CB8AC3E}">
+        <p14:creationId xmlns:p14="http://schemas.microsoft.com/office/powerpoint/2010/main" val="1305833299"/>
+      </p:ext>
+    </p:extLst>
+  </p:cSld>
+  <p:clrMapOvr>
+    <a:masterClrMapping/>
+  </p:clrMapOvr>
+</p:sld>
+</file>
+
+<file path=ppt/slides/slide9.xml><?xml version="1.0" encoding="utf-8"?>
+<p:sld xmlns:a="http://schemas.openxmlformats.org/drawingml/2006/main" xmlns:r="http://schemas.openxmlformats.org/officeDocument/2006/relationships" xmlns:p="http://schemas.openxmlformats.org/presentationml/2006/main">
+  <p:cSld>
+    <p:spTree>
+      <p:nvGrpSpPr>
+        <p:cNvPr id="1" name=""/>
+        <p:cNvGrpSpPr/>
+        <p:nvPr/>
+      </p:nvGrpSpPr>
+      <p:grpSpPr>
+        <a:xfrm>
+          <a:off x="0" y="0"/>
+          <a:ext cx="0" cy="0"/>
+          <a:chOff x="0" y="0"/>
+          <a:chExt cx="0" cy="0"/>
+        </a:xfrm>
+      </p:grpSpPr>
+      <p:sp>
+        <p:nvSpPr>
+          <p:cNvPr id="2" name="Title 1"/>
+          <p:cNvSpPr>
+            <a:spLocks noGrp="1"/>
+          </p:cNvSpPr>
+          <p:nvPr>
+            <p:ph type="title"/>
+          </p:nvPr>
+        </p:nvSpPr>
+        <p:spPr/>
+        <p:txBody>
+          <a:bodyPr>
+            <a:normAutofit/>
+          </a:bodyPr>
+          <a:lstStyle/>
+          <a:p>
+            <a:r>
+              <a:rPr lang="fr-FR" dirty="0" smtClean="0"/>
+              <a:t>Moteur 3D</a:t>
+            </a:r>
+            <a:endParaRPr lang="fr-FR" dirty="0"/>
+          </a:p>
+        </p:txBody>
+      </p:sp>
+      <p:sp>
+        <p:nvSpPr>
+          <p:cNvPr id="3" name="Content Placeholder 2"/>
+          <p:cNvSpPr>
+            <a:spLocks noGrp="1"/>
+          </p:cNvSpPr>
+          <p:nvPr>
+            <p:ph sz="quarter" idx="1"/>
+          </p:nvPr>
+        </p:nvSpPr>
+        <p:spPr/>
+        <p:txBody>
+          <a:bodyPr/>
+          <a:lstStyle/>
+          <a:p>
+            <a:endParaRPr lang="fr-FR" dirty="0"/>
+          </a:p>
+        </p:txBody>
+      </p:sp>
+      <p:sp>
+        <p:nvSpPr>
+          <p:cNvPr id="6" name="Slide Number Placeholder 5"/>
+          <p:cNvSpPr>
+            <a:spLocks noGrp="1"/>
+          </p:cNvSpPr>
+          <p:nvPr>
+            <p:ph type="sldNum" sz="quarter" idx="12"/>
+          </p:nvPr>
+        </p:nvSpPr>
+        <p:spPr>
+          <a:xfrm>
+            <a:off x="612648" y="6356350"/>
+            <a:ext cx="377952" cy="365760"/>
+          </a:xfrm>
+        </p:spPr>
+        <p:txBody>
+          <a:bodyPr/>
+          <a:lstStyle/>
+          <a:p>
+            <a:fld id="{B6F15528-21DE-4FAA-801E-634DDDAF4B2B}" type="slidenum">
+              <a:rPr lang="en-US" smtClean="0"/>
+              <a:pPr/>
+              <a:t>9</a:t>
+            </a:fld>
+            <a:endParaRPr lang="en-US"/>
+          </a:p>
+        </p:txBody>
+      </p:sp>
+      <p:sp>
+        <p:nvSpPr>
+          <p:cNvPr id="7" name="TextBox 6"/>
+          <p:cNvSpPr txBox="1"/>
+          <p:nvPr/>
+        </p:nvSpPr>
+        <p:spPr>
+          <a:xfrm>
+            <a:off x="5029200" y="6410419"/>
+            <a:ext cx="3985386" cy="338554"/>
+          </a:xfrm>
+          <a:prstGeom prst="rect">
+            <a:avLst/>
+          </a:prstGeom>
+          <a:noFill/>
+        </p:spPr>
+        <p:txBody>
+          <a:bodyPr wrap="none" rtlCol="0">
+            <a:spAutoFit/>
+          </a:bodyPr>
+          <a:lstStyle/>
+          <a:p>
+            <a:r>
+              <a:rPr lang="fr-FR" sz="1600" dirty="0" smtClean="0">
+                <a:solidFill>
+                  <a:schemeClr val="tx2"/>
+                </a:solidFill>
+                <a:latin typeface="+mj-lt"/>
+              </a:rPr>
+              <a:t>Rémi DUCCESCHI Thomas NOGUER</a:t>
+            </a:r>
+            <a:endParaRPr lang="fr-FR" sz="1600" dirty="0">
+              <a:solidFill>
+                <a:schemeClr val="tx2"/>
+              </a:solidFill>
+              <a:latin typeface="+mj-lt"/>
+            </a:endParaRPr>
+          </a:p>
+        </p:txBody>
+      </p:sp>
+      <p:sp>
+        <p:nvSpPr>
+          <p:cNvPr id="8" name="TextBox 7"/>
+          <p:cNvSpPr txBox="1"/>
+          <p:nvPr/>
+        </p:nvSpPr>
+        <p:spPr>
+          <a:xfrm>
+            <a:off x="1371600" y="6410419"/>
+            <a:ext cx="3227165" cy="338554"/>
+          </a:xfrm>
+          <a:prstGeom prst="rect">
+            <a:avLst/>
+          </a:prstGeom>
+          <a:noFill/>
+        </p:spPr>
+        <p:txBody>
+          <a:bodyPr wrap="none" rtlCol="0">
+            <a:spAutoFit/>
+          </a:bodyPr>
+          <a:lstStyle/>
+          <a:p>
+            <a:r>
+              <a:rPr lang="fr-FR" sz="1600" dirty="0" smtClean="0">
+                <a:solidFill>
+                  <a:schemeClr val="tx2"/>
+                </a:solidFill>
+                <a:latin typeface="+mj-lt"/>
+              </a:rPr>
+              <a:t>Démonstrateur de L-Systèmes</a:t>
+            </a:r>
+            <a:endParaRPr lang="fr-FR" sz="1600" dirty="0">
+              <a:solidFill>
+                <a:schemeClr val="tx2"/>
+              </a:solidFill>
+              <a:latin typeface="+mj-lt"/>
+            </a:endParaRPr>
+          </a:p>
+        </p:txBody>
+      </p:sp>
+    </p:spTree>
+    <p:extLst>
+      <p:ext uri="{BB962C8B-B14F-4D97-AF65-F5344CB8AC3E}">
+        <p14:creationId xmlns:p14="http://schemas.microsoft.com/office/powerpoint/2010/main" val="2565822358"/>
       </p:ext>
     </p:extLst>
   </p:cSld>

--- a/doc/Rapport/Présentation.pptx
+++ b/doc/Rapport/Présentation.pptx
@@ -15,7 +15,7 @@
     <p:sldId id="257" r:id="rId3"/>
     <p:sldId id="258" r:id="rId4"/>
     <p:sldId id="259" r:id="rId5"/>
-    <p:sldId id="260" r:id="rId6"/>
+    <p:sldId id="268" r:id="rId6"/>
     <p:sldId id="261" r:id="rId7"/>
     <p:sldId id="262" r:id="rId8"/>
     <p:sldId id="263" r:id="rId9"/>
@@ -2330,7 +2330,7 @@
           <a:p>
             <a:fld id="{5DB82CB3-7F24-4E1F-8892-465955FF31B8}" type="datetime1">
               <a:rPr lang="en-US" smtClean="0"/>
-              <a:t>4/27/2013</a:t>
+              <a:t>4/28/2013</a:t>
             </a:fld>
             <a:endParaRPr lang="en-US"/>
           </a:p>
@@ -2694,7 +2694,7 @@
           <a:p>
             <a:fld id="{B17E0040-CECD-427A-A9C1-073DB2B27F00}" type="datetime1">
               <a:rPr lang="en-US" smtClean="0"/>
-              <a:t>4/27/2013</a:t>
+              <a:t>4/28/2013</a:t>
             </a:fld>
             <a:endParaRPr lang="en-US"/>
           </a:p>
@@ -2874,7 +2874,7 @@
           <a:p>
             <a:fld id="{574CDA57-4E5B-4B05-A0BE-EA6FE083A355}" type="datetime1">
               <a:rPr lang="en-US" smtClean="0"/>
-              <a:t>4/27/2013</a:t>
+              <a:t>4/28/2013</a:t>
             </a:fld>
             <a:endParaRPr lang="en-US"/>
           </a:p>
@@ -3114,7 +3114,7 @@
           <a:p>
             <a:fld id="{B1D5FAF0-6F0B-4949-A889-EB1A2DE21BE1}" type="datetime1">
               <a:rPr lang="en-US" smtClean="0"/>
-              <a:t>4/27/2013</a:t>
+              <a:t>4/28/2013</a:t>
             </a:fld>
             <a:endParaRPr lang="en-US"/>
           </a:p>
@@ -3388,7 +3388,7 @@
           <a:p>
             <a:fld id="{91998F88-65CA-4BCB-AF27-A82EA15047FE}" type="datetime1">
               <a:rPr lang="en-US" smtClean="0"/>
-              <a:t>4/27/2013</a:t>
+              <a:t>4/28/2013</a:t>
             </a:fld>
             <a:endParaRPr lang="en-US"/>
           </a:p>
@@ -3613,7 +3613,7 @@
           <a:p>
             <a:fld id="{26077926-9980-417B-A819-B2F61BA4E2DE}" type="datetime1">
               <a:rPr lang="en-US" smtClean="0"/>
-              <a:t>4/27/2013</a:t>
+              <a:t>4/28/2013</a:t>
             </a:fld>
             <a:endParaRPr lang="en-US"/>
           </a:p>
@@ -3970,7 +3970,7 @@
           <a:p>
             <a:fld id="{7A595A47-1860-4DB6-8D86-0DFD018213B5}" type="datetime1">
               <a:rPr lang="en-US" smtClean="0"/>
-              <a:t>4/27/2013</a:t>
+              <a:t>4/28/2013</a:t>
             </a:fld>
             <a:endParaRPr lang="en-US"/>
           </a:p>
@@ -4207,7 +4207,7 @@
           <a:p>
             <a:fld id="{B41B090F-D7F0-4CA3-9609-D24E046E8DE8}" type="datetime1">
               <a:rPr lang="en-US" smtClean="0"/>
-              <a:t>4/27/2013</a:t>
+              <a:t>4/28/2013</a:t>
             </a:fld>
             <a:endParaRPr lang="en-US"/>
           </a:p>
@@ -4352,7 +4352,7 @@
           <a:p>
             <a:fld id="{364EB5AB-93AD-45BF-9A2B-CD0B73BBB82B}" type="datetime1">
               <a:rPr lang="en-US" smtClean="0"/>
-              <a:t>4/27/2013</a:t>
+              <a:t>4/28/2013</a:t>
             </a:fld>
             <a:endParaRPr lang="en-US"/>
           </a:p>
@@ -4634,7 +4634,7 @@
           <a:p>
             <a:fld id="{79CC428D-7CCE-4FB4-8E51-0C775D1AE24A}" type="datetime1">
               <a:rPr lang="en-US" smtClean="0"/>
-              <a:t>4/27/2013</a:t>
+              <a:t>4/28/2013</a:t>
             </a:fld>
             <a:endParaRPr lang="en-US"/>
           </a:p>
@@ -5046,7 +5046,7 @@
           <a:p>
             <a:fld id="{A35F0995-7E73-440E-995D-020D6A21E9C0}" type="datetime1">
               <a:rPr lang="en-US" smtClean="0"/>
-              <a:t>4/27/2013</a:t>
+              <a:t>4/28/2013</a:t>
             </a:fld>
             <a:endParaRPr lang="en-US"/>
           </a:p>
@@ -5389,7 +5389,7 @@
           <a:p>
             <a:fld id="{BA67E16C-89D1-475C-ACAE-248798189101}" type="datetime1">
               <a:rPr lang="en-US" smtClean="0"/>
-              <a:t>4/27/2013</a:t>
+              <a:t>4/28/2013</a:t>
             </a:fld>
             <a:endParaRPr lang="en-US"/>
           </a:p>
@@ -6197,6 +6197,20 @@
           <a:bodyPr/>
           <a:lstStyle/>
           <a:p>
+            <a:endParaRPr lang="fr-FR" dirty="0" smtClean="0"/>
+          </a:p>
+          <a:p>
+            <a:r>
+              <a:rPr lang="fr-FR" dirty="0" smtClean="0"/>
+              <a:t>Formes inconnues à l’avance</a:t>
+            </a:r>
+          </a:p>
+          <a:p>
+            <a:pPr lvl="1"/>
+            <a:r>
+              <a:rPr lang="fr-FR" dirty="0" smtClean="0"/>
+              <a:t>Problème de position initiale de la caméra</a:t>
+            </a:r>
             <a:endParaRPr lang="fr-FR" dirty="0"/>
           </a:p>
         </p:txBody>
@@ -6310,6 +6324,47 @@
           </a:p>
         </p:txBody>
       </p:sp>
+      <p:pic>
+        <p:nvPicPr>
+          <p:cNvPr id="9" name="Picture 2" descr="F:\Documents\Insync\thomas.noguer@gmail.com\Cours\5A\RV\L-Systems\doc\Rapport\SC_Camera.jpg"/>
+          <p:cNvPicPr>
+            <a:picLocks noChangeAspect="1" noChangeArrowheads="1"/>
+          </p:cNvPicPr>
+          <p:nvPr/>
+        </p:nvPicPr>
+        <p:blipFill>
+          <a:blip r:embed="rId3">
+            <a:extLst>
+              <a:ext uri="{28A0092B-C50C-407E-A947-70E740481C1C}">
+                <a14:useLocalDpi xmlns:a14="http://schemas.microsoft.com/office/drawing/2010/main" val="0"/>
+              </a:ext>
+            </a:extLst>
+          </a:blip>
+          <a:srcRect/>
+          <a:stretch>
+            <a:fillRect/>
+          </a:stretch>
+        </p:blipFill>
+        <p:spPr bwMode="auto">
+          <a:xfrm>
+            <a:off x="1905000" y="2598148"/>
+            <a:ext cx="5568795" cy="3686164"/>
+          </a:xfrm>
+          <a:prstGeom prst="rect">
+            <a:avLst/>
+          </a:prstGeom>
+          <a:noFill/>
+          <a:extLst>
+            <a:ext uri="{909E8E84-426E-40DD-AFC4-6F175D3DCCD1}">
+              <a14:hiddenFill xmlns:a14="http://schemas.microsoft.com/office/drawing/2010/main">
+                <a:solidFill>
+                  <a:srgbClr val="FFFFFF"/>
+                </a:solidFill>
+              </a14:hiddenFill>
+            </a:ext>
+          </a:extLst>
+        </p:spPr>
+      </p:pic>
     </p:spTree>
     <p:extLst>
       <p:ext uri="{BB962C8B-B14F-4D97-AF65-F5344CB8AC3E}">
@@ -6387,6 +6442,29 @@
           <a:bodyPr/>
           <a:lstStyle/>
           <a:p>
+            <a:endParaRPr lang="fr-FR" dirty="0" smtClean="0"/>
+          </a:p>
+          <a:p>
+            <a:r>
+              <a:rPr lang="fr-FR" dirty="0" smtClean="0"/>
+              <a:t>Nécessité d’éclairer la scène dans toutes les situations</a:t>
+            </a:r>
+          </a:p>
+          <a:p>
+            <a:endParaRPr lang="fr-FR" dirty="0"/>
+          </a:p>
+          <a:p>
+            <a:r>
+              <a:rPr lang="fr-FR" dirty="0" smtClean="0"/>
+              <a:t>Lumière directionnelle</a:t>
+            </a:r>
+          </a:p>
+          <a:p>
+            <a:pPr lvl="1"/>
+            <a:r>
+              <a:rPr lang="fr-FR" dirty="0" smtClean="0"/>
+              <a:t>Direction de la caméra</a:t>
+            </a:r>
             <a:endParaRPr lang="fr-FR" dirty="0"/>
           </a:p>
         </p:txBody>
@@ -6500,6 +6578,47 @@
           </a:p>
         </p:txBody>
       </p:sp>
+      <p:pic>
+        <p:nvPicPr>
+          <p:cNvPr id="9" name="Picture 3" descr="F:\Documents\Insync\thomas.noguer@gmail.com\Cours\5A\RV\L-Systems\doc\Rapport\SC_Light.jpg"/>
+          <p:cNvPicPr>
+            <a:picLocks noChangeAspect="1" noChangeArrowheads="1"/>
+          </p:cNvPicPr>
+          <p:nvPr/>
+        </p:nvPicPr>
+        <p:blipFill>
+          <a:blip r:embed="rId3">
+            <a:extLst>
+              <a:ext uri="{28A0092B-C50C-407E-A947-70E740481C1C}">
+                <a14:useLocalDpi xmlns:a14="http://schemas.microsoft.com/office/drawing/2010/main" val="0"/>
+              </a:ext>
+            </a:extLst>
+          </a:blip>
+          <a:srcRect/>
+          <a:stretch>
+            <a:fillRect/>
+          </a:stretch>
+        </p:blipFill>
+        <p:spPr bwMode="auto">
+          <a:xfrm>
+            <a:off x="3200400" y="3842657"/>
+            <a:ext cx="3200400" cy="2118885"/>
+          </a:xfrm>
+          <a:prstGeom prst="rect">
+            <a:avLst/>
+          </a:prstGeom>
+          <a:noFill/>
+          <a:extLst>
+            <a:ext uri="{909E8E84-426E-40DD-AFC4-6F175D3DCCD1}">
+              <a14:hiddenFill xmlns:a14="http://schemas.microsoft.com/office/drawing/2010/main">
+                <a:solidFill>
+                  <a:srgbClr val="FFFFFF"/>
+                </a:solidFill>
+              </a14:hiddenFill>
+            </a:ext>
+          </a:extLst>
+        </p:spPr>
+      </p:pic>
     </p:spTree>
     <p:extLst>
       <p:ext uri="{BB962C8B-B14F-4D97-AF65-F5344CB8AC3E}">
@@ -6592,10 +6711,124 @@
           <a:bodyPr/>
           <a:lstStyle/>
           <a:p>
-            <a:endParaRPr lang="fr-FR"/>
-          </a:p>
-        </p:txBody>
-      </p:sp>
+            <a:endParaRPr lang="fr-FR" dirty="0" smtClean="0"/>
+          </a:p>
+          <a:p>
+            <a:r>
+              <a:rPr lang="fr-FR" dirty="0" smtClean="0"/>
+              <a:t>Evolutivité de l’application</a:t>
+            </a:r>
+          </a:p>
+          <a:p>
+            <a:endParaRPr lang="fr-FR" dirty="0"/>
+          </a:p>
+          <a:p>
+            <a:r>
+              <a:rPr lang="fr-FR" dirty="0" smtClean="0"/>
+              <a:t>Possibilité d’imaginer de nombreuses interprétations</a:t>
+            </a:r>
+          </a:p>
+          <a:p>
+            <a:endParaRPr lang="fr-FR" dirty="0"/>
+          </a:p>
+          <a:p>
+            <a:r>
+              <a:rPr lang="fr-FR" dirty="0" smtClean="0"/>
+              <a:t>Application diverses</a:t>
+            </a:r>
+            <a:r>
+              <a:rPr lang="fr-FR" dirty="0"/>
+              <a:t> </a:t>
+            </a:r>
+            <a:r>
+              <a:rPr lang="fr-FR" dirty="0" smtClean="0"/>
+              <a:t>dans les univers 3D</a:t>
+            </a:r>
+          </a:p>
+        </p:txBody>
+      </p:sp>
+      <p:pic>
+        <p:nvPicPr>
+          <p:cNvPr id="4098" name="Picture 2" descr="F:\Documents\Insync\thomas.noguer@gmail.com\Cours\5A\RV\L-Systems\doc\Rapport\07.jpg"/>
+          <p:cNvPicPr>
+            <a:picLocks noChangeAspect="1" noChangeArrowheads="1"/>
+          </p:cNvPicPr>
+          <p:nvPr/>
+        </p:nvPicPr>
+        <p:blipFill>
+          <a:blip r:embed="rId2">
+            <a:extLst>
+              <a:ext uri="{28A0092B-C50C-407E-A947-70E740481C1C}">
+                <a14:useLocalDpi xmlns:a14="http://schemas.microsoft.com/office/drawing/2010/main" val="0"/>
+              </a:ext>
+            </a:extLst>
+          </a:blip>
+          <a:srcRect/>
+          <a:stretch>
+            <a:fillRect/>
+          </a:stretch>
+        </p:blipFill>
+        <p:spPr bwMode="auto">
+          <a:xfrm>
+            <a:off x="5225292" y="4038600"/>
+            <a:ext cx="3918708" cy="2819400"/>
+          </a:xfrm>
+          <a:prstGeom prst="rect">
+            <a:avLst/>
+          </a:prstGeom>
+          <a:noFill/>
+          <a:extLst>
+            <a:ext uri="{909E8E84-426E-40DD-AFC4-6F175D3DCCD1}">
+              <a14:hiddenFill xmlns:a14="http://schemas.microsoft.com/office/drawing/2010/main">
+                <a:solidFill>
+                  <a:srgbClr val="FFFFFF"/>
+                </a:solidFill>
+              </a14:hiddenFill>
+            </a:ext>
+          </a:extLst>
+        </p:spPr>
+      </p:pic>
+      <p:pic>
+        <p:nvPicPr>
+          <p:cNvPr id="4099" name="Picture 3" descr="F:\Documents\Insync\thomas.noguer@gmail.com\Cours\5A\RV\L-Systems\doc\Rapport\05.jpg"/>
+          <p:cNvPicPr>
+            <a:picLocks noChangeAspect="1" noChangeArrowheads="1"/>
+          </p:cNvPicPr>
+          <p:nvPr/>
+        </p:nvPicPr>
+        <p:blipFill>
+          <a:blip r:embed="rId3" cstate="print">
+            <a:extLst>
+              <a:ext uri="{28A0092B-C50C-407E-A947-70E740481C1C}">
+                <a14:useLocalDpi xmlns:a14="http://schemas.microsoft.com/office/drawing/2010/main" val="0"/>
+              </a:ext>
+            </a:extLst>
+          </a:blip>
+          <a:srcRect/>
+          <a:stretch>
+            <a:fillRect/>
+          </a:stretch>
+        </p:blipFill>
+        <p:spPr bwMode="auto">
+          <a:xfrm>
+            <a:off x="1143000" y="3976007"/>
+            <a:ext cx="3886200" cy="2881993"/>
+          </a:xfrm>
+          <a:prstGeom prst="rect">
+            <a:avLst/>
+          </a:prstGeom>
+          <a:noFill/>
+          <a:extLst>
+            <a:ext uri="{909E8E84-426E-40DD-AFC4-6F175D3DCCD1}">
+              <a14:hiddenFill xmlns:a14="http://schemas.microsoft.com/office/drawing/2010/main">
+                <a:solidFill>
+                  <a:srgbClr val="FFFFFF"/>
+                </a:solidFill>
+              </a14:hiddenFill>
+            </a:ext>
+          </a:extLst>
+        </p:spPr>
+      </p:pic>
     </p:spTree>
     <p:extLst>
       <p:ext uri="{BB962C8B-B14F-4D97-AF65-F5344CB8AC3E}">
@@ -6664,6 +6897,36 @@
           <a:bodyPr/>
           <a:lstStyle/>
           <a:p>
+            <a:endParaRPr lang="fr-FR" dirty="0" smtClean="0"/>
+          </a:p>
+          <a:p>
+            <a:r>
+              <a:rPr lang="fr-FR" dirty="0" smtClean="0"/>
+              <a:t>Projet en binôme de réalité virtuelle</a:t>
+            </a:r>
+          </a:p>
+          <a:p>
+            <a:endParaRPr lang="fr-FR" dirty="0"/>
+          </a:p>
+          <a:p>
+            <a:r>
+              <a:rPr lang="fr-FR" dirty="0" smtClean="0"/>
+              <a:t>Grammaires L-Systèmes</a:t>
+            </a:r>
+          </a:p>
+          <a:p>
+            <a:endParaRPr lang="fr-FR" dirty="0"/>
+          </a:p>
+          <a:p>
+            <a:r>
+              <a:rPr lang="fr-FR" dirty="0" smtClean="0"/>
+              <a:t>Connaissances en théorie des langages et réalité virtuelle</a:t>
+            </a:r>
+          </a:p>
+          <a:p>
+            <a:endParaRPr lang="fr-FR" dirty="0"/>
+          </a:p>
+          <a:p>
             <a:endParaRPr lang="fr-FR" dirty="0"/>
           </a:p>
         </p:txBody>
@@ -6852,17 +7115,22 @@
           <a:p>
             <a:r>
               <a:rPr lang="fr-FR" dirty="0" smtClean="0"/>
-              <a:t>Description des L-Systèmes</a:t>
-            </a:r>
-          </a:p>
-          <a:p>
+              <a:t>Description des </a:t>
+            </a:r>
+            <a:r>
+              <a:rPr lang="fr-FR" dirty="0" smtClean="0"/>
+              <a:t>L-Systèmes</a:t>
+            </a:r>
+          </a:p>
+          <a:p>
+            <a:endParaRPr lang="fr-FR" dirty="0"/>
+          </a:p>
+          <a:p>
+            <a:r>
+              <a:rPr lang="fr-FR" dirty="0"/>
+              <a:t>Générateur</a:t>
+            </a:r>
             <a:endParaRPr lang="fr-FR" dirty="0" smtClean="0"/>
-          </a:p>
-          <a:p>
-            <a:r>
-              <a:rPr lang="fr-FR" dirty="0" smtClean="0"/>
-              <a:t>Parseur et générateur</a:t>
-            </a:r>
           </a:p>
           <a:p>
             <a:endParaRPr lang="fr-FR" dirty="0"/>
@@ -7108,6 +7376,77 @@
           <a:bodyPr/>
           <a:lstStyle/>
           <a:p>
+            <a:endParaRPr lang="fr-FR" dirty="0" smtClean="0"/>
+          </a:p>
+          <a:p>
+            <a:r>
+              <a:rPr lang="fr-FR" dirty="0" smtClean="0"/>
+              <a:t>Grammaire différentes des grammaires de Chomsky</a:t>
+            </a:r>
+          </a:p>
+          <a:p>
+            <a:pPr lvl="1"/>
+            <a:r>
+              <a:rPr lang="fr-FR" dirty="0"/>
+              <a:t>Étape 1 : </a:t>
+            </a:r>
+            <a:r>
+              <a:rPr lang="fr-FR" dirty="0" smtClean="0"/>
+              <a:t>O</a:t>
+            </a:r>
+          </a:p>
+          <a:p>
+            <a:pPr lvl="1"/>
+            <a:r>
+              <a:rPr lang="fr-FR" dirty="0" smtClean="0"/>
+              <a:t>Étape </a:t>
+            </a:r>
+            <a:r>
+              <a:rPr lang="fr-FR" dirty="0"/>
+              <a:t>2 : </a:t>
+            </a:r>
+            <a:r>
+              <a:rPr lang="fr-FR" dirty="0" smtClean="0"/>
+              <a:t>OO</a:t>
+            </a:r>
+          </a:p>
+          <a:p>
+            <a:pPr lvl="1"/>
+            <a:r>
+              <a:rPr lang="fr-FR" dirty="0" smtClean="0"/>
+              <a:t>Étape </a:t>
+            </a:r>
+            <a:r>
+              <a:rPr lang="fr-FR" dirty="0"/>
+              <a:t>3 : </a:t>
+            </a:r>
+            <a:r>
+              <a:rPr lang="fr-FR" dirty="0" smtClean="0"/>
+              <a:t>OOOO</a:t>
+            </a:r>
+          </a:p>
+          <a:p>
+            <a:r>
+              <a:rPr lang="fr-FR" dirty="0" smtClean="0"/>
+              <a:t>Différents types</a:t>
+            </a:r>
+          </a:p>
+          <a:p>
+            <a:pPr lvl="1"/>
+            <a:r>
+              <a:rPr lang="fr-FR" dirty="0" smtClean="0"/>
+              <a:t>Déterminisme</a:t>
+            </a:r>
+          </a:p>
+          <a:p>
+            <a:pPr lvl="1"/>
+            <a:r>
+              <a:rPr lang="fr-FR" dirty="0" smtClean="0"/>
+              <a:t>Dépendance du contexte</a:t>
+            </a:r>
+            <a:endParaRPr lang="fr-FR" dirty="0"/>
+          </a:p>
+          <a:p>
             <a:endParaRPr lang="fr-FR" dirty="0"/>
           </a:p>
         </p:txBody>
@@ -7268,7 +7607,7 @@
           <a:p>
             <a:r>
               <a:rPr lang="fr-FR" dirty="0" smtClean="0"/>
-              <a:t>Parseur et générateur</a:t>
+              <a:t>Générateur</a:t>
             </a:r>
             <a:endParaRPr lang="fr-FR" dirty="0"/>
           </a:p>
@@ -7288,6 +7627,39 @@
         <p:txBody>
           <a:bodyPr/>
           <a:lstStyle/>
+          <a:p>
+            <a:endParaRPr lang="fr-FR" dirty="0" smtClean="0"/>
+          </a:p>
+          <a:p>
+            <a:r>
+              <a:rPr lang="fr-FR" dirty="0" smtClean="0"/>
+              <a:t>L’utilisateur doit pouvoir créer ses grammaires</a:t>
+            </a:r>
+          </a:p>
+          <a:p>
+            <a:pPr lvl="1"/>
+            <a:r>
+              <a:rPr lang="fr-FR" dirty="0" smtClean="0"/>
+              <a:t>Définition d’un formatage de fichier</a:t>
+            </a:r>
+          </a:p>
+          <a:p>
+            <a:pPr lvl="1"/>
+            <a:endParaRPr lang="fr-FR" dirty="0"/>
+          </a:p>
+          <a:p>
+            <a:r>
+              <a:rPr lang="fr-FR" dirty="0" err="1" smtClean="0"/>
+              <a:t>Parsage</a:t>
+            </a:r>
+            <a:r>
+              <a:rPr lang="fr-FR" dirty="0" smtClean="0"/>
+              <a:t> du fichier et génération de la liste des symboles</a:t>
+            </a:r>
+          </a:p>
+          <a:p>
+            <a:endParaRPr lang="fr-FR" dirty="0"/>
+          </a:p>
           <a:p>
             <a:endParaRPr lang="fr-FR" dirty="0"/>
           </a:p>
@@ -7405,7 +7777,7 @@
     </p:spTree>
     <p:extLst>
       <p:ext uri="{BB962C8B-B14F-4D97-AF65-F5344CB8AC3E}">
-        <p14:creationId xmlns:p14="http://schemas.microsoft.com/office/powerpoint/2010/main" val="739241960"/>
+        <p14:creationId xmlns:p14="http://schemas.microsoft.com/office/powerpoint/2010/main" val="2831307529"/>
       </p:ext>
     </p:extLst>
   </p:cSld>
@@ -7470,6 +7842,31 @@
           <a:bodyPr/>
           <a:lstStyle/>
           <a:p>
+            <a:endParaRPr lang="fr-FR" dirty="0" smtClean="0"/>
+          </a:p>
+          <a:p>
+            <a:r>
+              <a:rPr lang="fr-FR" dirty="0" smtClean="0"/>
+              <a:t>Variété des interprétations</a:t>
+            </a:r>
+          </a:p>
+          <a:p>
+            <a:endParaRPr lang="fr-FR" dirty="0"/>
+          </a:p>
+          <a:p>
+            <a:r>
+              <a:rPr lang="fr-FR" dirty="0" smtClean="0"/>
+              <a:t>Tortue mère</a:t>
+            </a:r>
+          </a:p>
+          <a:p>
+            <a:endParaRPr lang="fr-FR" dirty="0"/>
+          </a:p>
+          <a:p>
+            <a:r>
+              <a:rPr lang="fr-FR" dirty="0" smtClean="0"/>
+              <a:t>Construction du graphe de scène</a:t>
+            </a:r>
             <a:endParaRPr lang="fr-FR" dirty="0"/>
           </a:p>
         </p:txBody>
@@ -7660,6 +8057,31 @@
           <a:bodyPr/>
           <a:lstStyle/>
           <a:p>
+            <a:endParaRPr lang="fr-FR" dirty="0" smtClean="0"/>
+          </a:p>
+          <a:p>
+            <a:r>
+              <a:rPr lang="fr-FR" dirty="0" smtClean="0"/>
+              <a:t>Interprétation simple</a:t>
+            </a:r>
+          </a:p>
+          <a:p>
+            <a:endParaRPr lang="fr-FR" dirty="0"/>
+          </a:p>
+          <a:p>
+            <a:r>
+              <a:rPr lang="fr-FR" dirty="0" smtClean="0"/>
+              <a:t>Utilisation de formes basique</a:t>
+            </a:r>
+          </a:p>
+          <a:p>
+            <a:endParaRPr lang="fr-FR" dirty="0"/>
+          </a:p>
+          <a:p>
+            <a:r>
+              <a:rPr lang="fr-FR" dirty="0" smtClean="0"/>
+              <a:t>Variété des résultats</a:t>
+            </a:r>
             <a:endParaRPr lang="fr-FR" dirty="0"/>
           </a:p>
         </p:txBody>
@@ -7773,6 +8195,129 @@
           </a:p>
         </p:txBody>
       </p:sp>
+      <p:pic>
+        <p:nvPicPr>
+          <p:cNvPr id="1026" name="Picture 2" descr="F:\Documents\Insync\thomas.noguer@gmail.com\Cours\5A\RV\L-Systems\doc\Rapport\SC_ExRendu3.jpg"/>
+          <p:cNvPicPr>
+            <a:picLocks noChangeAspect="1" noChangeArrowheads="1"/>
+          </p:cNvPicPr>
+          <p:nvPr/>
+        </p:nvPicPr>
+        <p:blipFill>
+          <a:blip r:embed="rId3">
+            <a:extLst>
+              <a:ext uri="{28A0092B-C50C-407E-A947-70E740481C1C}">
+                <a14:useLocalDpi xmlns:a14="http://schemas.microsoft.com/office/drawing/2010/main" val="0"/>
+              </a:ext>
+            </a:extLst>
+          </a:blip>
+          <a:srcRect/>
+          <a:stretch>
+            <a:fillRect/>
+          </a:stretch>
+        </p:blipFill>
+        <p:spPr bwMode="auto">
+          <a:xfrm>
+            <a:off x="6633029" y="3657600"/>
+            <a:ext cx="2033651" cy="2354754"/>
+          </a:xfrm>
+          <a:prstGeom prst="rect">
+            <a:avLst/>
+          </a:prstGeom>
+          <a:noFill/>
+          <a:extLst>
+            <a:ext uri="{909E8E84-426E-40DD-AFC4-6F175D3DCCD1}">
+              <a14:hiddenFill xmlns:a14="http://schemas.microsoft.com/office/drawing/2010/main">
+                <a:solidFill>
+                  <a:srgbClr val="FFFFFF"/>
+                </a:solidFill>
+              </a14:hiddenFill>
+            </a:ext>
+          </a:extLst>
+        </p:spPr>
+      </p:pic>
+      <p:pic>
+        <p:nvPicPr>
+          <p:cNvPr id="1028" name="Picture 4" descr="F:\Documents\Insync\thomas.noguer@gmail.com\Cours\5A\RV\L-Systems\doc\Rapport\SC_ExRendu2.jpg"/>
+          <p:cNvPicPr>
+            <a:picLocks noChangeAspect="1" noChangeArrowheads="1"/>
+          </p:cNvPicPr>
+          <p:nvPr/>
+        </p:nvPicPr>
+        <p:blipFill>
+          <a:blip r:embed="rId4">
+            <a:extLst>
+              <a:ext uri="{28A0092B-C50C-407E-A947-70E740481C1C}">
+                <a14:useLocalDpi xmlns:a14="http://schemas.microsoft.com/office/drawing/2010/main" val="0"/>
+              </a:ext>
+            </a:extLst>
+          </a:blip>
+          <a:srcRect/>
+          <a:stretch>
+            <a:fillRect/>
+          </a:stretch>
+        </p:blipFill>
+        <p:spPr bwMode="auto">
+          <a:xfrm>
+            <a:off x="1144364" y="4724400"/>
+            <a:ext cx="3458030" cy="797160"/>
+          </a:xfrm>
+          <a:prstGeom prst="rect">
+            <a:avLst/>
+          </a:prstGeom>
+          <a:noFill/>
+          <a:extLst>
+            <a:ext uri="{909E8E84-426E-40DD-AFC4-6F175D3DCCD1}">
+              <a14:hiddenFill xmlns:a14="http://schemas.microsoft.com/office/drawing/2010/main">
+                <a:solidFill>
+                  <a:srgbClr val="FFFFFF"/>
+                </a:solidFill>
+              </a14:hiddenFill>
+            </a:ext>
+          </a:extLst>
+        </p:spPr>
+      </p:pic>
+      <p:pic>
+        <p:nvPicPr>
+          <p:cNvPr id="1029" name="Picture 5" descr="F:\Documents\Insync\thomas.noguer@gmail.com\Cours\5A\RV\L-Systems\doc\Rapport\SC_ExRendu1.jpg"/>
+          <p:cNvPicPr>
+            <a:picLocks noChangeAspect="1" noChangeArrowheads="1"/>
+          </p:cNvPicPr>
+          <p:nvPr/>
+        </p:nvPicPr>
+        <p:blipFill>
+          <a:blip r:embed="rId5">
+            <a:extLst>
+              <a:ext uri="{28A0092B-C50C-407E-A947-70E740481C1C}">
+                <a14:useLocalDpi xmlns:a14="http://schemas.microsoft.com/office/drawing/2010/main" val="0"/>
+              </a:ext>
+            </a:extLst>
+          </a:blip>
+          <a:srcRect/>
+          <a:stretch>
+            <a:fillRect/>
+          </a:stretch>
+        </p:blipFill>
+        <p:spPr bwMode="auto">
+          <a:xfrm>
+            <a:off x="5971971" y="1524000"/>
+            <a:ext cx="2694709" cy="1371600"/>
+          </a:xfrm>
+          <a:prstGeom prst="rect">
+            <a:avLst/>
+          </a:prstGeom>
+          <a:noFill/>
+          <a:extLst>
+            <a:ext uri="{909E8E84-426E-40DD-AFC4-6F175D3DCCD1}">
+              <a14:hiddenFill xmlns:a14="http://schemas.microsoft.com/office/drawing/2010/main">
+                <a:solidFill>
+                  <a:srgbClr val="FFFFFF"/>
+                </a:solidFill>
+              </a14:hiddenFill>
+            </a:ext>
+          </a:extLst>
+        </p:spPr>
+      </p:pic>
     </p:spTree>
     <p:extLst>
       <p:ext uri="{BB962C8B-B14F-4D97-AF65-F5344CB8AC3E}">
@@ -7850,6 +8395,31 @@
           <a:bodyPr/>
           <a:lstStyle/>
           <a:p>
+            <a:endParaRPr lang="fr-FR" dirty="0" smtClean="0"/>
+          </a:p>
+          <a:p>
+            <a:r>
+              <a:rPr lang="fr-FR" dirty="0" smtClean="0"/>
+              <a:t>Interprétation basique pour des arbres</a:t>
+            </a:r>
+          </a:p>
+          <a:p>
+            <a:endParaRPr lang="fr-FR" dirty="0"/>
+          </a:p>
+          <a:p>
+            <a:r>
+              <a:rPr lang="fr-FR" dirty="0" smtClean="0"/>
+              <a:t>Réduction des formes dynamiques</a:t>
+            </a:r>
+          </a:p>
+          <a:p>
+            <a:endParaRPr lang="fr-FR" dirty="0"/>
+          </a:p>
+          <a:p>
+            <a:r>
+              <a:rPr lang="fr-FR" dirty="0" smtClean="0"/>
+              <a:t>Introduction de feuilles</a:t>
+            </a:r>
             <a:endParaRPr lang="fr-FR" dirty="0"/>
           </a:p>
         </p:txBody>
@@ -7963,6 +8533,129 @@
           </a:p>
         </p:txBody>
       </p:sp>
+      <p:pic>
+        <p:nvPicPr>
+          <p:cNvPr id="2050" name="Picture 2" descr="F:\Documents\Insync\thomas.noguer@gmail.com\Cours\5A\RV\L-Systems\doc\Rapport\SC_Leaf.jpg"/>
+          <p:cNvPicPr>
+            <a:picLocks noChangeAspect="1" noChangeArrowheads="1"/>
+          </p:cNvPicPr>
+          <p:nvPr/>
+        </p:nvPicPr>
+        <p:blipFill>
+          <a:blip r:embed="rId3">
+            <a:extLst>
+              <a:ext uri="{28A0092B-C50C-407E-A947-70E740481C1C}">
+                <a14:useLocalDpi xmlns:a14="http://schemas.microsoft.com/office/drawing/2010/main" val="0"/>
+              </a:ext>
+            </a:extLst>
+          </a:blip>
+          <a:srcRect/>
+          <a:stretch>
+            <a:fillRect/>
+          </a:stretch>
+        </p:blipFill>
+        <p:spPr bwMode="auto">
+          <a:xfrm>
+            <a:off x="1371600" y="4466770"/>
+            <a:ext cx="3200400" cy="1277045"/>
+          </a:xfrm>
+          <a:prstGeom prst="rect">
+            <a:avLst/>
+          </a:prstGeom>
+          <a:noFill/>
+          <a:extLst>
+            <a:ext uri="{909E8E84-426E-40DD-AFC4-6F175D3DCCD1}">
+              <a14:hiddenFill xmlns:a14="http://schemas.microsoft.com/office/drawing/2010/main">
+                <a:solidFill>
+                  <a:srgbClr val="FFFFFF"/>
+                </a:solidFill>
+              </a14:hiddenFill>
+            </a:ext>
+          </a:extLst>
+        </p:spPr>
+      </p:pic>
+      <p:pic>
+        <p:nvPicPr>
+          <p:cNvPr id="2051" name="Picture 3" descr="F:\Documents\Insync\thomas.noguer@gmail.com\Cours\5A\RV\L-Systems\doc\Rapport\SC_ExRendu5.jpg"/>
+          <p:cNvPicPr>
+            <a:picLocks noChangeAspect="1" noChangeArrowheads="1"/>
+          </p:cNvPicPr>
+          <p:nvPr/>
+        </p:nvPicPr>
+        <p:blipFill>
+          <a:blip r:embed="rId4">
+            <a:extLst>
+              <a:ext uri="{28A0092B-C50C-407E-A947-70E740481C1C}">
+                <a14:useLocalDpi xmlns:a14="http://schemas.microsoft.com/office/drawing/2010/main" val="0"/>
+              </a:ext>
+            </a:extLst>
+          </a:blip>
+          <a:srcRect/>
+          <a:stretch>
+            <a:fillRect/>
+          </a:stretch>
+        </p:blipFill>
+        <p:spPr bwMode="auto">
+          <a:xfrm>
+            <a:off x="6629400" y="1447800"/>
+            <a:ext cx="2169244" cy="2120221"/>
+          </a:xfrm>
+          <a:prstGeom prst="rect">
+            <a:avLst/>
+          </a:prstGeom>
+          <a:noFill/>
+          <a:extLst>
+            <a:ext uri="{909E8E84-426E-40DD-AFC4-6F175D3DCCD1}">
+              <a14:hiddenFill xmlns:a14="http://schemas.microsoft.com/office/drawing/2010/main">
+                <a:solidFill>
+                  <a:srgbClr val="FFFFFF"/>
+                </a:solidFill>
+              </a14:hiddenFill>
+            </a:ext>
+          </a:extLst>
+        </p:spPr>
+      </p:pic>
+      <p:pic>
+        <p:nvPicPr>
+          <p:cNvPr id="2052" name="Picture 4" descr="F:\Documents\Insync\thomas.noguer@gmail.com\Cours\5A\RV\L-Systems\doc\Rapport\SC_ExRendu6.jpg"/>
+          <p:cNvPicPr>
+            <a:picLocks noChangeAspect="1" noChangeArrowheads="1"/>
+          </p:cNvPicPr>
+          <p:nvPr/>
+        </p:nvPicPr>
+        <p:blipFill>
+          <a:blip r:embed="rId5">
+            <a:extLst>
+              <a:ext uri="{28A0092B-C50C-407E-A947-70E740481C1C}">
+                <a14:useLocalDpi xmlns:a14="http://schemas.microsoft.com/office/drawing/2010/main" val="0"/>
+              </a:ext>
+            </a:extLst>
+          </a:blip>
+          <a:srcRect/>
+          <a:stretch>
+            <a:fillRect/>
+          </a:stretch>
+        </p:blipFill>
+        <p:spPr bwMode="auto">
+          <a:xfrm>
+            <a:off x="7092938" y="4013640"/>
+            <a:ext cx="1705706" cy="2183304"/>
+          </a:xfrm>
+          <a:prstGeom prst="rect">
+            <a:avLst/>
+          </a:prstGeom>
+          <a:noFill/>
+          <a:extLst>
+            <a:ext uri="{909E8E84-426E-40DD-AFC4-6F175D3DCCD1}">
+              <a14:hiddenFill xmlns:a14="http://schemas.microsoft.com/office/drawing/2010/main">
+                <a:solidFill>
+                  <a:srgbClr val="FFFFFF"/>
+                </a:solidFill>
+              </a14:hiddenFill>
+            </a:ext>
+          </a:extLst>
+        </p:spPr>
+      </p:pic>
     </p:spTree>
     <p:extLst>
       <p:ext uri="{BB962C8B-B14F-4D97-AF65-F5344CB8AC3E}">
@@ -8033,6 +8726,27 @@
           <a:bodyPr/>
           <a:lstStyle/>
           <a:p>
+            <a:endParaRPr lang="fr-FR" dirty="0" smtClean="0"/>
+          </a:p>
+          <a:p>
+            <a:r>
+              <a:rPr lang="fr-FR" dirty="0" err="1" smtClean="0"/>
+              <a:t>Jmonkey</a:t>
+            </a:r>
+            <a:endParaRPr lang="fr-FR" dirty="0" smtClean="0"/>
+          </a:p>
+          <a:p>
+            <a:endParaRPr lang="fr-FR" dirty="0"/>
+          </a:p>
+          <a:p>
+            <a:r>
+              <a:rPr lang="fr-FR" dirty="0" err="1" smtClean="0"/>
+              <a:t>Canva</a:t>
+            </a:r>
+            <a:r>
+              <a:rPr lang="fr-FR" dirty="0" smtClean="0"/>
+              <a:t> intégré dans une interface</a:t>
+            </a:r>
             <a:endParaRPr lang="fr-FR" dirty="0"/>
           </a:p>
         </p:txBody>
@@ -8106,6 +8820,47 @@
           </a:p>
         </p:txBody>
       </p:sp>
+      <p:pic>
+        <p:nvPicPr>
+          <p:cNvPr id="3074" name="Picture 2" descr="F:\Documents\Insync\thomas.noguer@gmail.com\Cours\5A\RV\L-Systems\doc\Rapport\SC_Camera.jpg"/>
+          <p:cNvPicPr>
+            <a:picLocks noChangeAspect="1" noChangeArrowheads="1"/>
+          </p:cNvPicPr>
+          <p:nvPr/>
+        </p:nvPicPr>
+        <p:blipFill>
+          <a:blip r:embed="rId3">
+            <a:extLst>
+              <a:ext uri="{28A0092B-C50C-407E-A947-70E740481C1C}">
+                <a14:useLocalDpi xmlns:a14="http://schemas.microsoft.com/office/drawing/2010/main" val="0"/>
+              </a:ext>
+            </a:extLst>
+          </a:blip>
+          <a:srcRect/>
+          <a:stretch>
+            <a:fillRect/>
+          </a:stretch>
+        </p:blipFill>
+        <p:spPr bwMode="auto">
+          <a:xfrm>
+            <a:off x="2584604" y="3048000"/>
+            <a:ext cx="4889191" cy="3236312"/>
+          </a:xfrm>
+          <a:prstGeom prst="rect">
+            <a:avLst/>
+          </a:prstGeom>
+          <a:noFill/>
+          <a:extLst>
+            <a:ext uri="{909E8E84-426E-40DD-AFC4-6F175D3DCCD1}">
+              <a14:hiddenFill xmlns:a14="http://schemas.microsoft.com/office/drawing/2010/main">
+                <a:solidFill>
+                  <a:srgbClr val="FFFFFF"/>
+                </a:solidFill>
+              </a14:hiddenFill>
+            </a:ext>
+          </a:extLst>
+        </p:spPr>
+      </p:pic>
       <p:sp>
         <p:nvSpPr>
           <p:cNvPr id="8" name="TextBox 7"/>
